--- a/final ppt/14-crowdsourcing-on-the-web.pptx
+++ b/final ppt/14-crowdsourcing-on-the-web.pptx
@@ -326,7 +326,7 @@
           <a:p>
             <a:fld id="{0F9C1CCF-B725-44A7-AA57-5E433BD85C9F}" type="datetimeFigureOut">
               <a:rPr lang="en-US" smtClean="0"/>
-              <a:t>8/30/2021</a:t>
+              <a:t>9/14/2021</a:t>
             </a:fld>
             <a:endParaRPr lang="en-US"/>
           </a:p>
@@ -2663,7 +2663,7 @@
           <a:p>
             <a:fld id="{241EB5C9-1307-BA42-ABA2-0BC069CD8E7F}" type="datetimeFigureOut">
               <a:rPr lang="en-US" smtClean="0"/>
-              <a:t>8/30/2021</a:t>
+              <a:t>9/14/2021</a:t>
             </a:fld>
             <a:endParaRPr lang="en-US"/>
           </a:p>
@@ -7619,14 +7619,14 @@
           <a:p>
             <a:pPr lvl="1"/>
             <a:r>
-              <a:rPr/>
+              <a:rPr sz="2400" dirty="0"/>
               <a:t>Explain the term “crowdsourcing” and how it contributes to online information</a:t>
             </a:r>
           </a:p>
           <a:p>
             <a:pPr lvl="1"/>
             <a:r>
-              <a:rPr/>
+              <a:rPr sz="2400" dirty="0"/>
               <a:t>Collaborate online to contribute information</a:t>
             </a:r>
           </a:p>
@@ -7696,7 +7696,7 @@
           <a:p>
             <a:pPr lvl="1"/>
             <a:r>
-              <a:rPr/>
+              <a:rPr sz="2400" dirty="0"/>
               <a:t>Summarize: A lot more information is easy to make and capture digitally. We have more networked devices around to collect and create information, and we can automate collection and storage of all these digital files.</a:t>
             </a:r>
           </a:p>
@@ -7766,7 +7766,7 @@
           <a:p>
             <a:pPr lvl="1"/>
             <a:r>
-              <a:rPr/>
+              <a:rPr sz="1800" dirty="0"/>
               <a:t>For this activity, you’ll need two sets of maybe 50 to 60 similar images, each printed on an individual card (you could print a grid of images and cut them up). These could be landscapes, pictures of people, pictures of animals or insects. The images should all be similar, but with some differences. Here is an example:</a:t>
             </a:r>
           </a:p>
@@ -7813,8 +7813,8 @@
         </p:blipFill>
         <p:spPr bwMode="auto">
           <a:xfrm>
-            <a:off x="3352800" y="1600200"/>
-            <a:ext cx="5486400" cy="4013200"/>
+            <a:off x="-55424" y="277091"/>
+            <a:ext cx="9167148" cy="6705599"/>
           </a:xfrm>
           <a:prstGeom prst="rect">
             <a:avLst/>
@@ -7919,97 +7919,145 @@
           <a:p>
             <a:pPr lvl="1"/>
             <a:r>
+              <a:rPr dirty="0"/>
+              <a:t>For this activity, learners will be participating in some crowdsourced science research using </a:t>
+            </a:r>
+            <a:r>
+              <a:rPr dirty="0" err="1"/>
+              <a:t>Zooniverse</a:t>
+            </a:r>
+            <a:r>
+              <a:rPr dirty="0"/>
+              <a:t> (or another platform, as selected by the facilitator.) Depending on time, there are two options here:</a:t>
+            </a:r>
+          </a:p>
+          <a:p>
+            <a:pPr lvl="1"/>
+            <a:r>
+              <a:rPr dirty="0"/>
+              <a:t>Facilitator selects one project in advance and walks users through the steps to participate (see example below) OR</a:t>
+            </a:r>
+          </a:p>
+          <a:p>
+            <a:pPr lvl="1"/>
+            <a:r>
               <a:rPr/>
-              <a:t>For this activity, learners will be participating in some crowdsourced science research using Zooniverse (or another platform, as selected by the facilitator.) Depending on time, there are two options here:</a:t>
+              <a:t>Users explore the collection of projects on </a:t>
+            </a:r>
+            <a:r>
+              <a:rPr dirty="0" err="1"/>
+              <a:t>Zooniverse</a:t>
+            </a:r>
+            <a:r>
+              <a:rPr dirty="0"/>
+              <a:t>, and select one (or more) that they find most interesting.</a:t>
             </a:r>
           </a:p>
           <a:p>
             <a:pPr lvl="1"/>
             <a:r>
-              <a:rPr/>
-              <a:t>Facilitator selects one project in advance and walks users through the steps to participate (see example below) OR</a:t>
+              <a:rPr dirty="0"/>
+              <a:t>Note that users do not have to sign in to use </a:t>
+            </a:r>
+            <a:r>
+              <a:rPr dirty="0" err="1"/>
+              <a:t>Zooniverse</a:t>
+            </a:r>
+            <a:r>
+              <a:rPr dirty="0"/>
+              <a:t>, though they can if they want to create an account.</a:t>
             </a:r>
           </a:p>
           <a:p>
             <a:pPr lvl="1"/>
             <a:r>
-              <a:rPr/>
-              <a:t>Users explore the collection of projects on Zooniverse, and select one (or more) that they find most interesting.</a:t>
+              <a:rPr dirty="0"/>
+              <a:t>Explain that </a:t>
+            </a:r>
+            <a:r>
+              <a:rPr dirty="0" err="1"/>
+              <a:t>Zooniverse</a:t>
+            </a:r>
+            <a:r>
+              <a:rPr dirty="0"/>
+              <a:t> is an online platform where researchers of all kinds can host their data, so participants can help with them.</a:t>
             </a:r>
           </a:p>
           <a:p>
             <a:pPr lvl="1"/>
             <a:r>
-              <a:rPr/>
-              <a:t>Note that users do not have to sign in to use Zooniverse, though they can if they want to create an account.</a:t>
+              <a:rPr dirty="0"/>
+              <a:t>You don’t need special skills to help, just interest. The kinds of things you can do for each project are different. For example:</a:t>
+            </a:r>
+          </a:p>
+          <a:p>
+            <a:pPr lvl="2"/>
+            <a:r>
+              <a:rPr dirty="0"/>
+              <a:t>you might look at an image and tag a feature/item or count the number of items present. you might answer questions about the image evaluate an image for certain qualities.</a:t>
+            </a:r>
+          </a:p>
+          <a:p>
+            <a:pPr lvl="2"/>
+            <a:r>
+              <a:rPr dirty="0"/>
+              <a:t>you might be transcribing information from the image into analog form.</a:t>
             </a:r>
           </a:p>
           <a:p>
             <a:pPr lvl="1"/>
             <a:r>
-              <a:rPr/>
-              <a:t>Explain that Zooniverse is an online platform where researchers of all kinds can host their data, so participants can help with them.</a:t>
+              <a:rPr dirty="0"/>
+              <a:t>Note in this section about checking and </a:t>
+            </a:r>
+            <a:r>
+              <a:rPr dirty="0" err="1"/>
+              <a:t>verifiying</a:t>
+            </a:r>
+            <a:r>
+              <a:rPr dirty="0"/>
+              <a:t>– that more than one person screens each image or piece of data.</a:t>
+            </a:r>
+          </a:p>
+          <a:p>
+            <a:r>
+              <a:rPr dirty="0"/>
+              <a:t>:::</a:t>
             </a:r>
           </a:p>
           <a:p>
             <a:pPr lvl="1"/>
             <a:r>
-              <a:rPr/>
-              <a:t>You don’t need special skills to help, just interest. The kinds of things you can do for each project are different. For example:</a:t>
-            </a:r>
-          </a:p>
-          <a:p>
-            <a:pPr lvl="2"/>
-            <a:r>
-              <a:rPr/>
-              <a:t>you might look at an image and tag a feature/item or count the number of items present. you might answer questions about the image evaluate an image for certain qualities.</a:t>
-            </a:r>
-          </a:p>
-          <a:p>
-            <a:pPr lvl="2"/>
-            <a:r>
-              <a:rPr/>
-              <a:t>you might be transcribing information from the image into analog form.</a:t>
+              <a:rPr dirty="0"/>
+              <a:t>Project Demo</a:t>
+            </a:r>
+          </a:p>
+          <a:p>
+            <a:pPr marL="1270000"/>
+            <a:r>
+              <a:rPr sz="2000" dirty="0"/>
+              <a:t>Tip! Facilitator should do this and if possible have their screen projected so all learners can see.</a:t>
             </a:r>
           </a:p>
           <a:p>
             <a:pPr lvl="1"/>
             <a:r>
-              <a:rPr/>
-              <a:t>Note in this section about checking and verifiying– that more than one person screens each image or piece of data.</a:t>
-            </a:r>
-          </a:p>
-          <a:p>
-            <a:r>
-              <a:rPr/>
-              <a:t>:::</a:t>
+              <a:rPr dirty="0"/>
+              <a:t>Navigate to </a:t>
+            </a:r>
+            <a:r>
+              <a:rPr dirty="0" err="1"/>
+              <a:t>Zooniverse</a:t>
+            </a:r>
+            <a:r>
+              <a:rPr dirty="0"/>
+              <a:t>, https://www.zooniverse.org</a:t>
             </a:r>
           </a:p>
           <a:p>
             <a:pPr lvl="1"/>
             <a:r>
-              <a:rPr/>
-              <a:t>Project Demo</a:t>
-            </a:r>
-          </a:p>
-          <a:p>
-            <a:pPr marL="1270000"/>
-            <a:r>
-              <a:rPr sz="2000"/>
-              <a:t>Tip! Facilitator should do this and if possible have their screen projected so all learners can see.</a:t>
-            </a:r>
-          </a:p>
-          <a:p>
-            <a:pPr lvl="1"/>
-            <a:r>
-              <a:rPr/>
-              <a:t>Navigate to Zooniverse, https://www.zooniverse.org</a:t>
-            </a:r>
-          </a:p>
-          <a:p>
-            <a:pPr lvl="1"/>
-            <a:r>
-              <a:rPr/>
+              <a:rPr dirty="0"/>
               <a:t>Go to the project page:</a:t>
             </a:r>
           </a:p>

--- a/final ppt/14-crowdsourcing-on-the-web.pptx
+++ b/final ppt/14-crowdsourcing-on-the-web.pptx
@@ -2096,7 +2096,7 @@
                 <a:schemeClr val="lt1"/>
               </a:buClr>
               <a:buSzPct val="100000"/>
-              <a:defRPr sz="4199">
+              <a:defRPr sz="5599">
                 <a:solidFill>
                   <a:schemeClr val="lt1"/>
                 </a:solidFill>
@@ -2110,7 +2110,7 @@
                 <a:schemeClr val="lt1"/>
               </a:buClr>
               <a:buSzPct val="100000"/>
-              <a:defRPr sz="4199">
+              <a:defRPr sz="5599">
                 <a:solidFill>
                   <a:schemeClr val="lt1"/>
                 </a:solidFill>
@@ -2124,7 +2124,7 @@
                 <a:schemeClr val="lt1"/>
               </a:buClr>
               <a:buSzPct val="100000"/>
-              <a:defRPr sz="4199">
+              <a:defRPr sz="5599">
                 <a:solidFill>
                   <a:schemeClr val="lt1"/>
                 </a:solidFill>
@@ -2138,7 +2138,7 @@
                 <a:schemeClr val="lt1"/>
               </a:buClr>
               <a:buSzPct val="100000"/>
-              <a:defRPr sz="4199">
+              <a:defRPr sz="5599">
                 <a:solidFill>
                   <a:schemeClr val="lt1"/>
                 </a:solidFill>
@@ -2152,7 +2152,7 @@
                 <a:schemeClr val="lt1"/>
               </a:buClr>
               <a:buSzPct val="100000"/>
-              <a:defRPr sz="4199">
+              <a:defRPr sz="5599">
                 <a:solidFill>
                   <a:schemeClr val="lt1"/>
                 </a:solidFill>
@@ -2166,7 +2166,7 @@
                 <a:schemeClr val="lt1"/>
               </a:buClr>
               <a:buSzPct val="100000"/>
-              <a:defRPr sz="4199">
+              <a:defRPr sz="5599">
                 <a:solidFill>
                   <a:schemeClr val="lt1"/>
                 </a:solidFill>
@@ -2180,7 +2180,7 @@
                 <a:schemeClr val="lt1"/>
               </a:buClr>
               <a:buSzPct val="100000"/>
-              <a:defRPr sz="4199">
+              <a:defRPr sz="5599">
                 <a:solidFill>
                   <a:schemeClr val="lt1"/>
                 </a:solidFill>
@@ -2194,7 +2194,7 @@
                 <a:schemeClr val="lt1"/>
               </a:buClr>
               <a:buSzPct val="100000"/>
-              <a:defRPr sz="4199">
+              <a:defRPr sz="5599">
                 <a:solidFill>
                   <a:schemeClr val="lt1"/>
                 </a:solidFill>
@@ -2208,7 +2208,7 @@
                 <a:schemeClr val="lt1"/>
               </a:buClr>
               <a:buSzPct val="100000"/>
-              <a:defRPr sz="4199">
+              <a:defRPr sz="5599">
                 <a:solidFill>
                   <a:schemeClr val="lt1"/>
                 </a:solidFill>
@@ -2261,7 +2261,7 @@
               </a:buClr>
               <a:buSzPct val="100000"/>
               <a:buNone/>
-              <a:defRPr sz="2099">
+              <a:defRPr sz="2799">
                 <a:solidFill>
                   <a:schemeClr val="lt1"/>
                 </a:solidFill>
@@ -2282,7 +2282,7 @@
               </a:buClr>
               <a:buSzPct val="100000"/>
               <a:buNone/>
-              <a:defRPr sz="2099">
+              <a:defRPr sz="2799">
                 <a:solidFill>
                   <a:schemeClr val="lt1"/>
                 </a:solidFill>
@@ -2303,7 +2303,7 @@
               </a:buClr>
               <a:buSzPct val="100000"/>
               <a:buNone/>
-              <a:defRPr sz="2099">
+              <a:defRPr sz="2799">
                 <a:solidFill>
                   <a:schemeClr val="lt1"/>
                 </a:solidFill>
@@ -2324,7 +2324,7 @@
               </a:buClr>
               <a:buSzPct val="100000"/>
               <a:buNone/>
-              <a:defRPr sz="2099">
+              <a:defRPr sz="2799">
                 <a:solidFill>
                   <a:schemeClr val="lt1"/>
                 </a:solidFill>
@@ -2345,7 +2345,7 @@
               </a:buClr>
               <a:buSzPct val="100000"/>
               <a:buNone/>
-              <a:defRPr sz="2099">
+              <a:defRPr sz="2799">
                 <a:solidFill>
                   <a:schemeClr val="lt1"/>
                 </a:solidFill>
@@ -2366,7 +2366,7 @@
               </a:buClr>
               <a:buSzPct val="100000"/>
               <a:buNone/>
-              <a:defRPr sz="2099">
+              <a:defRPr sz="2799">
                 <a:solidFill>
                   <a:schemeClr val="lt1"/>
                 </a:solidFill>
@@ -2387,7 +2387,7 @@
               </a:buClr>
               <a:buSzPct val="100000"/>
               <a:buNone/>
-              <a:defRPr sz="2099">
+              <a:defRPr sz="2799">
                 <a:solidFill>
                   <a:schemeClr val="lt1"/>
                 </a:solidFill>
@@ -2408,7 +2408,7 @@
               </a:buClr>
               <a:buSzPct val="100000"/>
               <a:buNone/>
-              <a:defRPr sz="2099">
+              <a:defRPr sz="2799">
                 <a:solidFill>
                   <a:schemeClr val="lt1"/>
                 </a:solidFill>
@@ -2429,7 +2429,7 @@
               </a:buClr>
               <a:buSzPct val="100000"/>
               <a:buNone/>
-              <a:defRPr sz="2099">
+              <a:defRPr sz="2799">
                 <a:solidFill>
                   <a:schemeClr val="lt1"/>
                 </a:solidFill>
@@ -2476,7 +2476,7 @@
     </p:spTree>
     <p:extLst>
       <p:ext uri="{BB962C8B-B14F-4D97-AF65-F5344CB8AC3E}">
-        <p14:creationId xmlns:p14="http://schemas.microsoft.com/office/powerpoint/2010/main" val="2936030259"/>
+        <p14:creationId xmlns:p14="http://schemas.microsoft.com/office/powerpoint/2010/main" val="14316404"/>
       </p:ext>
     </p:extLst>
   </p:cSld>
@@ -2525,7 +2525,7 @@
     </p:spTree>
     <p:extLst>
       <p:ext uri="{BB962C8B-B14F-4D97-AF65-F5344CB8AC3E}">
-        <p14:creationId xmlns:p14="http://schemas.microsoft.com/office/powerpoint/2010/main" val="2421520530"/>
+        <p14:creationId xmlns:p14="http://schemas.microsoft.com/office/powerpoint/2010/main" val="2987756381"/>
       </p:ext>
     </p:extLst>
   </p:cSld>
@@ -2607,42 +2607,286 @@
         <p:spPr/>
         <p:txBody>
           <a:bodyPr/>
-          <a:lstStyle/>
-          <a:p>
-            <a:pPr lvl="0"/>
-            <a:r>
-              <a:rPr lang="en-US" smtClean="0"/>
-              <a:t>Click to edit Master text styles</a:t>
-            </a:r>
-          </a:p>
-          <a:p>
-            <a:pPr lvl="1"/>
-            <a:r>
-              <a:rPr lang="en-US" smtClean="0"/>
+          <a:lstStyle>
+            <a:lvl1pPr marL="0" marR="0" indent="0" algn="l" defTabSz="914400" rtl="0" eaLnBrk="1" fontAlgn="auto" latinLnBrk="0" hangingPunct="1">
+              <a:lnSpc>
+                <a:spcPct val="90000"/>
+              </a:lnSpc>
+              <a:spcBef>
+                <a:spcPts val="1000"/>
+              </a:spcBef>
+              <a:spcAft>
+                <a:spcPts val="0"/>
+              </a:spcAft>
+              <a:buClrTx/>
+              <a:buSzTx/>
+              <a:buFont typeface="Arial" panose="020B0604020202020204" pitchFamily="34" charset="0"/>
+              <a:buNone/>
+              <a:tabLst/>
+              <a:defRPr/>
+            </a:lvl1pPr>
+            <a:lvl2pPr marL="685800" marR="0" indent="-228600" algn="l" defTabSz="914400" rtl="0" eaLnBrk="1" fontAlgn="auto" latinLnBrk="0" hangingPunct="1">
+              <a:lnSpc>
+                <a:spcPct val="90000"/>
+              </a:lnSpc>
+              <a:spcBef>
+                <a:spcPts val="500"/>
+              </a:spcBef>
+              <a:spcAft>
+                <a:spcPts val="0"/>
+              </a:spcAft>
+              <a:buClrTx/>
+              <a:buSzTx/>
+              <a:buFont typeface="Arial" panose="020B0604020202020204" pitchFamily="34" charset="0"/>
+              <a:buChar char="•"/>
+              <a:tabLst/>
+              <a:defRPr/>
+            </a:lvl2pPr>
+            <a:lvl3pPr marL="1143000" marR="0" indent="-228600" algn="l" defTabSz="914400" rtl="0" eaLnBrk="1" fontAlgn="auto" latinLnBrk="0" hangingPunct="1">
+              <a:lnSpc>
+                <a:spcPct val="90000"/>
+              </a:lnSpc>
+              <a:spcBef>
+                <a:spcPts val="500"/>
+              </a:spcBef>
+              <a:spcAft>
+                <a:spcPts val="0"/>
+              </a:spcAft>
+              <a:buClrTx/>
+              <a:buSzTx/>
+              <a:buFont typeface="Arial" panose="020B0604020202020204" pitchFamily="34" charset="0"/>
+              <a:buChar char="•"/>
+              <a:tabLst/>
+              <a:defRPr/>
+            </a:lvl3pPr>
+            <a:lvl4pPr marL="1600200" marR="0" indent="-228600" algn="l" defTabSz="914400" rtl="0" eaLnBrk="1" fontAlgn="auto" latinLnBrk="0" hangingPunct="1">
+              <a:lnSpc>
+                <a:spcPct val="90000"/>
+              </a:lnSpc>
+              <a:spcBef>
+                <a:spcPts val="500"/>
+              </a:spcBef>
+              <a:spcAft>
+                <a:spcPts val="0"/>
+              </a:spcAft>
+              <a:buClrTx/>
+              <a:buSzTx/>
+              <a:buFont typeface="Arial" panose="020B0604020202020204" pitchFamily="34" charset="0"/>
+              <a:buChar char="•"/>
+              <a:tabLst/>
+              <a:defRPr/>
+            </a:lvl4pPr>
+            <a:lvl5pPr marL="2057400" marR="0" indent="-228600" algn="l" defTabSz="914400" rtl="0" eaLnBrk="1" fontAlgn="auto" latinLnBrk="0" hangingPunct="1">
+              <a:lnSpc>
+                <a:spcPct val="90000"/>
+              </a:lnSpc>
+              <a:spcBef>
+                <a:spcPts val="500"/>
+              </a:spcBef>
+              <a:spcAft>
+                <a:spcPts val="0"/>
+              </a:spcAft>
+              <a:buClrTx/>
+              <a:buSzTx/>
+              <a:buFont typeface="Arial" panose="020B0604020202020204" pitchFamily="34" charset="0"/>
+              <a:buChar char="•"/>
+              <a:tabLst/>
+              <a:defRPr/>
+            </a:lvl5pPr>
+          </a:lstStyle>
+          <a:p>
+            <a:pPr marL="0" marR="0" lvl="0" indent="0" algn="l" defTabSz="914400" rtl="0" eaLnBrk="1" fontAlgn="auto" latinLnBrk="0" hangingPunct="1">
+              <a:lnSpc>
+                <a:spcPct val="90000"/>
+              </a:lnSpc>
+              <a:spcBef>
+                <a:spcPts val="1000"/>
+              </a:spcBef>
+              <a:spcAft>
+                <a:spcPts val="0"/>
+              </a:spcAft>
+              <a:buClrTx/>
+              <a:buSzTx/>
+              <a:buFont typeface="Arial" panose="020B0604020202020204" pitchFamily="34" charset="0"/>
+              <a:buNone/>
+              <a:tabLst/>
+              <a:defRPr/>
+            </a:pPr>
+            <a:r>
+              <a:rPr kumimoji="0" lang="en-US" sz="2400" b="0" i="0" u="none" strike="noStrike" kern="1200" cap="none" spc="0" normalizeH="0" baseline="0" noProof="0" smtClean="0">
+                <a:ln>
+                  <a:noFill/>
+                </a:ln>
+                <a:solidFill>
+                  <a:prstClr val="black"/>
+                </a:solidFill>
+                <a:effectLst/>
+                <a:uLnTx/>
+                <a:uFillTx/>
+                <a:latin typeface="Arial" panose="020B0604020202020204" pitchFamily="34" charset="0"/>
+                <a:cs typeface="Arial" panose="020B0604020202020204" pitchFamily="34" charset="0"/>
+                <a:sym typeface="Roboto"/>
+              </a:rPr>
+              <a:t>Edit Master text styles</a:t>
+            </a:r>
+          </a:p>
+          <a:p>
+            <a:pPr marL="0" marR="0" lvl="1" indent="0" algn="l" defTabSz="914400" rtl="0" eaLnBrk="1" fontAlgn="auto" latinLnBrk="0" hangingPunct="1">
+              <a:lnSpc>
+                <a:spcPct val="90000"/>
+              </a:lnSpc>
+              <a:spcBef>
+                <a:spcPts val="1000"/>
+              </a:spcBef>
+              <a:spcAft>
+                <a:spcPts val="0"/>
+              </a:spcAft>
+              <a:buClrTx/>
+              <a:buSzTx/>
+              <a:buFont typeface="Arial" panose="020B0604020202020204" pitchFamily="34" charset="0"/>
+              <a:buNone/>
+              <a:tabLst/>
+              <a:defRPr/>
+            </a:pPr>
+            <a:r>
+              <a:rPr kumimoji="0" lang="en-US" sz="2400" b="0" i="0" u="none" strike="noStrike" kern="1200" cap="none" spc="0" normalizeH="0" baseline="0" noProof="0" smtClean="0">
+                <a:ln>
+                  <a:noFill/>
+                </a:ln>
+                <a:solidFill>
+                  <a:prstClr val="black"/>
+                </a:solidFill>
+                <a:effectLst/>
+                <a:uLnTx/>
+                <a:uFillTx/>
+                <a:latin typeface="Arial" panose="020B0604020202020204" pitchFamily="34" charset="0"/>
+                <a:cs typeface="Arial" panose="020B0604020202020204" pitchFamily="34" charset="0"/>
+                <a:sym typeface="Roboto"/>
+              </a:rPr>
               <a:t>Second level</a:t>
             </a:r>
           </a:p>
           <a:p>
-            <a:pPr lvl="2"/>
-            <a:r>
-              <a:rPr lang="en-US" smtClean="0"/>
+            <a:pPr marL="0" marR="0" lvl="2" indent="0" algn="l" defTabSz="914400" rtl="0" eaLnBrk="1" fontAlgn="auto" latinLnBrk="0" hangingPunct="1">
+              <a:lnSpc>
+                <a:spcPct val="90000"/>
+              </a:lnSpc>
+              <a:spcBef>
+                <a:spcPts val="1000"/>
+              </a:spcBef>
+              <a:spcAft>
+                <a:spcPts val="0"/>
+              </a:spcAft>
+              <a:buClrTx/>
+              <a:buSzTx/>
+              <a:buFont typeface="Arial" panose="020B0604020202020204" pitchFamily="34" charset="0"/>
+              <a:buNone/>
+              <a:tabLst/>
+              <a:defRPr/>
+            </a:pPr>
+            <a:r>
+              <a:rPr kumimoji="0" lang="en-US" sz="2400" b="0" i="0" u="none" strike="noStrike" kern="1200" cap="none" spc="0" normalizeH="0" baseline="0" noProof="0" smtClean="0">
+                <a:ln>
+                  <a:noFill/>
+                </a:ln>
+                <a:solidFill>
+                  <a:prstClr val="black"/>
+                </a:solidFill>
+                <a:effectLst/>
+                <a:uLnTx/>
+                <a:uFillTx/>
+                <a:latin typeface="Arial" panose="020B0604020202020204" pitchFamily="34" charset="0"/>
+                <a:cs typeface="Arial" panose="020B0604020202020204" pitchFamily="34" charset="0"/>
+                <a:sym typeface="Roboto"/>
+              </a:rPr>
               <a:t>Third level</a:t>
             </a:r>
           </a:p>
           <a:p>
-            <a:pPr lvl="3"/>
-            <a:r>
-              <a:rPr lang="en-US" smtClean="0"/>
+            <a:pPr marL="0" marR="0" lvl="3" indent="0" algn="l" defTabSz="914400" rtl="0" eaLnBrk="1" fontAlgn="auto" latinLnBrk="0" hangingPunct="1">
+              <a:lnSpc>
+                <a:spcPct val="90000"/>
+              </a:lnSpc>
+              <a:spcBef>
+                <a:spcPts val="1000"/>
+              </a:spcBef>
+              <a:spcAft>
+                <a:spcPts val="0"/>
+              </a:spcAft>
+              <a:buClrTx/>
+              <a:buSzTx/>
+              <a:buFont typeface="Arial" panose="020B0604020202020204" pitchFamily="34" charset="0"/>
+              <a:buNone/>
+              <a:tabLst/>
+              <a:defRPr/>
+            </a:pPr>
+            <a:r>
+              <a:rPr kumimoji="0" lang="en-US" sz="2400" b="0" i="0" u="none" strike="noStrike" kern="1200" cap="none" spc="0" normalizeH="0" baseline="0" noProof="0" smtClean="0">
+                <a:ln>
+                  <a:noFill/>
+                </a:ln>
+                <a:solidFill>
+                  <a:prstClr val="black"/>
+                </a:solidFill>
+                <a:effectLst/>
+                <a:uLnTx/>
+                <a:uFillTx/>
+                <a:latin typeface="Arial" panose="020B0604020202020204" pitchFamily="34" charset="0"/>
+                <a:cs typeface="Arial" panose="020B0604020202020204" pitchFamily="34" charset="0"/>
+                <a:sym typeface="Roboto"/>
+              </a:rPr>
               <a:t>Fourth level</a:t>
             </a:r>
           </a:p>
           <a:p>
-            <a:pPr lvl="4"/>
-            <a:r>
-              <a:rPr lang="en-US" smtClean="0"/>
+            <a:pPr marL="0" marR="0" lvl="4" indent="0" algn="l" defTabSz="914400" rtl="0" eaLnBrk="1" fontAlgn="auto" latinLnBrk="0" hangingPunct="1">
+              <a:lnSpc>
+                <a:spcPct val="90000"/>
+              </a:lnSpc>
+              <a:spcBef>
+                <a:spcPts val="1000"/>
+              </a:spcBef>
+              <a:spcAft>
+                <a:spcPts val="0"/>
+              </a:spcAft>
+              <a:buClrTx/>
+              <a:buSzTx/>
+              <a:buFont typeface="Arial" panose="020B0604020202020204" pitchFamily="34" charset="0"/>
+              <a:buNone/>
+              <a:tabLst/>
+              <a:defRPr/>
+            </a:pPr>
+            <a:r>
+              <a:rPr kumimoji="0" lang="en-US" sz="2400" b="0" i="0" u="none" strike="noStrike" kern="1200" cap="none" spc="0" normalizeH="0" baseline="0" noProof="0" smtClean="0">
+                <a:ln>
+                  <a:noFill/>
+                </a:ln>
+                <a:solidFill>
+                  <a:prstClr val="black"/>
+                </a:solidFill>
+                <a:effectLst/>
+                <a:uLnTx/>
+                <a:uFillTx/>
+                <a:latin typeface="Arial" panose="020B0604020202020204" pitchFamily="34" charset="0"/>
+                <a:cs typeface="Arial" panose="020B0604020202020204" pitchFamily="34" charset="0"/>
+                <a:sym typeface="Roboto"/>
+              </a:rPr>
               <a:t>Fifth level</a:t>
             </a:r>
-            <a:endParaRPr lang="en-US"/>
+            <a:endParaRPr kumimoji="0" lang="en-GB" sz="1600" b="0" i="0" u="none" strike="noStrike" kern="1200" cap="none" spc="0" normalizeH="0" baseline="0" noProof="0" dirty="0" smtClean="0">
+              <a:ln>
+                <a:noFill/>
+              </a:ln>
+              <a:solidFill>
+                <a:prstClr val="black"/>
+              </a:solidFill>
+              <a:effectLst/>
+              <a:uLnTx/>
+              <a:uFillTx/>
+              <a:latin typeface="Arial" panose="020B0604020202020204" pitchFamily="34" charset="0"/>
+              <a:cs typeface="Arial" panose="020B0604020202020204" pitchFamily="34" charset="0"/>
+              <a:sym typeface="Roboto"/>
+            </a:endParaRPr>
           </a:p>
         </p:txBody>
       </p:sp>
@@ -2714,7 +2958,7 @@
     </p:spTree>
     <p:extLst>
       <p:ext uri="{BB962C8B-B14F-4D97-AF65-F5344CB8AC3E}">
-        <p14:creationId xmlns:p14="http://schemas.microsoft.com/office/powerpoint/2010/main" val="1630612684"/>
+        <p14:creationId xmlns:p14="http://schemas.microsoft.com/office/powerpoint/2010/main" val="1057428567"/>
       </p:ext>
     </p:extLst>
   </p:cSld>
@@ -2852,12 +3096,12 @@
         <p:txBody>
           <a:bodyPr lIns="91425" tIns="91425" rIns="91425" bIns="91425" anchor="t" anchorCtr="0"/>
           <a:lstStyle>
-            <a:lvl1pPr marL="0" marR="0" lvl="0" indent="0" algn="l" defTabSz="685800" rtl="0" eaLnBrk="1" fontAlgn="auto" latinLnBrk="0" hangingPunct="1">
+            <a:lvl1pPr marL="0" marR="0" lvl="0" indent="0" algn="l" defTabSz="914400" rtl="0" eaLnBrk="1" fontAlgn="auto" latinLnBrk="0" hangingPunct="1">
               <a:lnSpc>
                 <a:spcPct val="90000"/>
               </a:lnSpc>
               <a:spcBef>
-                <a:spcPts val="750"/>
+                <a:spcPts val="1000"/>
               </a:spcBef>
               <a:spcAft>
                 <a:spcPts val="0"/>
@@ -2867,17 +3111,17 @@
               <a:buFont typeface="Arial" panose="020B0604020202020204" pitchFamily="34" charset="0"/>
               <a:buNone/>
               <a:tabLst/>
-              <a:defRPr sz="1800">
+              <a:defRPr sz="2400">
                 <a:latin typeface="Arial" panose="020B0604020202020204" pitchFamily="34" charset="0"/>
                 <a:cs typeface="Arial" panose="020B0604020202020204" pitchFamily="34" charset="0"/>
               </a:defRPr>
             </a:lvl1pPr>
-            <a:lvl2pPr marL="514350" marR="0" lvl="1" indent="-171450" algn="l" defTabSz="685800" rtl="0" eaLnBrk="1" fontAlgn="auto" latinLnBrk="0" hangingPunct="1">
+            <a:lvl2pPr marL="685800" marR="0" lvl="1" indent="-228600" algn="l" defTabSz="914400" rtl="0" eaLnBrk="1" fontAlgn="auto" latinLnBrk="0" hangingPunct="1">
               <a:lnSpc>
                 <a:spcPct val="90000"/>
               </a:lnSpc>
               <a:spcBef>
-                <a:spcPts val="375"/>
+                <a:spcPts val="500"/>
               </a:spcBef>
               <a:spcAft>
                 <a:spcPts val="0"/>
@@ -2887,14 +3131,14 @@
               <a:buFont typeface="Arial" panose="020B0604020202020204" pitchFamily="34" charset="0"/>
               <a:buChar char="•"/>
               <a:tabLst/>
-              <a:defRPr sz="1500"/>
+              <a:defRPr sz="2000"/>
             </a:lvl2pPr>
-            <a:lvl3pPr marL="857250" marR="0" lvl="2" indent="-171450" algn="l" defTabSz="685800" rtl="0" eaLnBrk="1" fontAlgn="auto" latinLnBrk="0" hangingPunct="1">
+            <a:lvl3pPr marL="1143000" marR="0" lvl="2" indent="-228600" algn="l" defTabSz="914400" rtl="0" eaLnBrk="1" fontAlgn="auto" latinLnBrk="0" hangingPunct="1">
               <a:lnSpc>
                 <a:spcPct val="90000"/>
               </a:lnSpc>
               <a:spcBef>
-                <a:spcPts val="375"/>
+                <a:spcPts val="500"/>
               </a:spcBef>
               <a:spcAft>
                 <a:spcPts val="0"/>
@@ -2904,14 +3148,14 @@
               <a:buFont typeface="Arial" panose="020B0604020202020204" pitchFamily="34" charset="0"/>
               <a:buChar char="•"/>
               <a:tabLst/>
-              <a:defRPr sz="1350"/>
+              <a:defRPr sz="1800"/>
             </a:lvl3pPr>
-            <a:lvl4pPr marL="1200150" marR="0" lvl="3" indent="-171450" algn="l" defTabSz="685800" rtl="0" eaLnBrk="1" fontAlgn="auto" latinLnBrk="0" hangingPunct="1">
+            <a:lvl4pPr marL="1600200" marR="0" lvl="3" indent="-228600" algn="l" defTabSz="914400" rtl="0" eaLnBrk="1" fontAlgn="auto" latinLnBrk="0" hangingPunct="1">
               <a:lnSpc>
                 <a:spcPct val="90000"/>
               </a:lnSpc>
               <a:spcBef>
-                <a:spcPts val="375"/>
+                <a:spcPts val="500"/>
               </a:spcBef>
               <a:spcAft>
                 <a:spcPts val="0"/>
@@ -2921,14 +3165,14 @@
               <a:buFont typeface="Arial" panose="020B0604020202020204" pitchFamily="34" charset="0"/>
               <a:buChar char="•"/>
               <a:tabLst/>
-              <a:defRPr sz="1200"/>
+              <a:defRPr sz="1600"/>
             </a:lvl4pPr>
-            <a:lvl5pPr marL="1543050" marR="0" lvl="4" indent="-171450" algn="l" defTabSz="685800" rtl="0" eaLnBrk="1" fontAlgn="auto" latinLnBrk="0" hangingPunct="1">
+            <a:lvl5pPr marL="2057400" marR="0" lvl="4" indent="-228600" algn="l" defTabSz="914400" rtl="0" eaLnBrk="1" fontAlgn="auto" latinLnBrk="0" hangingPunct="1">
               <a:lnSpc>
                 <a:spcPct val="90000"/>
               </a:lnSpc>
               <a:spcBef>
-                <a:spcPts val="375"/>
+                <a:spcPts val="500"/>
               </a:spcBef>
               <a:spcAft>
                 <a:spcPts val="0"/>
@@ -2938,7 +3182,7 @@
               <a:buFont typeface="Arial" panose="020B0604020202020204" pitchFamily="34" charset="0"/>
               <a:buChar char="•"/>
               <a:tabLst/>
-              <a:defRPr sz="1500"/>
+              <a:defRPr sz="2000"/>
             </a:lvl5pPr>
             <a:lvl6pPr lvl="5">
               <a:spcBef>
@@ -2966,12 +3210,12 @@
             </a:lvl9pPr>
           </a:lstStyle>
           <a:p>
-            <a:pPr marL="0" marR="0" lvl="0" indent="0" algn="l" defTabSz="685800" rtl="0" eaLnBrk="1" fontAlgn="auto" latinLnBrk="0" hangingPunct="1">
+            <a:pPr marL="0" marR="0" lvl="0" indent="0" algn="l" defTabSz="914400" rtl="0" eaLnBrk="1" fontAlgn="auto" latinLnBrk="0" hangingPunct="1">
               <a:lnSpc>
                 <a:spcPct val="90000"/>
               </a:lnSpc>
               <a:spcBef>
-                <a:spcPts val="750"/>
+                <a:spcPts val="1000"/>
               </a:spcBef>
               <a:spcAft>
                 <a:spcPts val="0"/>
@@ -2984,22 +3228,180 @@
               <a:defRPr/>
             </a:pPr>
             <a:r>
-              <a:rPr kumimoji="0" lang="en-US" sz="1500" b="0" i="0" u="none" strike="noStrike" kern="0" cap="none" spc="0" normalizeH="0" baseline="0" noProof="0" smtClean="0">
+              <a:rPr kumimoji="0" lang="en-US" sz="2400" b="0" i="0" u="none" strike="noStrike" kern="1200" cap="none" spc="0" normalizeH="0" baseline="0" noProof="0" smtClean="0">
                 <a:ln>
                   <a:noFill/>
                 </a:ln>
                 <a:solidFill>
-                  <a:srgbClr val="000000"/>
+                  <a:prstClr val="black"/>
                 </a:solidFill>
                 <a:effectLst/>
                 <a:uLnTx/>
                 <a:uFillTx/>
-                <a:latin typeface="Arial"/>
-                <a:cs typeface="Arial"/>
-                <a:sym typeface="Arial"/>
+                <a:latin typeface="Arial" panose="020B0604020202020204" pitchFamily="34" charset="0"/>
+                <a:cs typeface="Arial" panose="020B0604020202020204" pitchFamily="34" charset="0"/>
+                <a:sym typeface="Roboto"/>
               </a:rPr>
               <a:t>Edit Master text styles</a:t>
             </a:r>
+          </a:p>
+          <a:p>
+            <a:pPr marL="0" marR="0" lvl="1" indent="0" algn="l" defTabSz="914400" rtl="0" eaLnBrk="1" fontAlgn="auto" latinLnBrk="0" hangingPunct="1">
+              <a:lnSpc>
+                <a:spcPct val="90000"/>
+              </a:lnSpc>
+              <a:spcBef>
+                <a:spcPts val="1000"/>
+              </a:spcBef>
+              <a:spcAft>
+                <a:spcPts val="0"/>
+              </a:spcAft>
+              <a:buClrTx/>
+              <a:buSzTx/>
+              <a:buFont typeface="Arial" panose="020B0604020202020204" pitchFamily="34" charset="0"/>
+              <a:buNone/>
+              <a:tabLst/>
+              <a:defRPr/>
+            </a:pPr>
+            <a:r>
+              <a:rPr kumimoji="0" lang="en-US" sz="2400" b="0" i="0" u="none" strike="noStrike" kern="1200" cap="none" spc="0" normalizeH="0" baseline="0" noProof="0" smtClean="0">
+                <a:ln>
+                  <a:noFill/>
+                </a:ln>
+                <a:solidFill>
+                  <a:prstClr val="black"/>
+                </a:solidFill>
+                <a:effectLst/>
+                <a:uLnTx/>
+                <a:uFillTx/>
+                <a:latin typeface="Arial" panose="020B0604020202020204" pitchFamily="34" charset="0"/>
+                <a:cs typeface="Arial" panose="020B0604020202020204" pitchFamily="34" charset="0"/>
+                <a:sym typeface="Roboto"/>
+              </a:rPr>
+              <a:t>Second level</a:t>
+            </a:r>
+          </a:p>
+          <a:p>
+            <a:pPr marL="0" marR="0" lvl="2" indent="0" algn="l" defTabSz="914400" rtl="0" eaLnBrk="1" fontAlgn="auto" latinLnBrk="0" hangingPunct="1">
+              <a:lnSpc>
+                <a:spcPct val="90000"/>
+              </a:lnSpc>
+              <a:spcBef>
+                <a:spcPts val="1000"/>
+              </a:spcBef>
+              <a:spcAft>
+                <a:spcPts val="0"/>
+              </a:spcAft>
+              <a:buClrTx/>
+              <a:buSzTx/>
+              <a:buFont typeface="Arial" panose="020B0604020202020204" pitchFamily="34" charset="0"/>
+              <a:buNone/>
+              <a:tabLst/>
+              <a:defRPr/>
+            </a:pPr>
+            <a:r>
+              <a:rPr kumimoji="0" lang="en-US" sz="2400" b="0" i="0" u="none" strike="noStrike" kern="1200" cap="none" spc="0" normalizeH="0" baseline="0" noProof="0" smtClean="0">
+                <a:ln>
+                  <a:noFill/>
+                </a:ln>
+                <a:solidFill>
+                  <a:prstClr val="black"/>
+                </a:solidFill>
+                <a:effectLst/>
+                <a:uLnTx/>
+                <a:uFillTx/>
+                <a:latin typeface="Arial" panose="020B0604020202020204" pitchFamily="34" charset="0"/>
+                <a:cs typeface="Arial" panose="020B0604020202020204" pitchFamily="34" charset="0"/>
+                <a:sym typeface="Roboto"/>
+              </a:rPr>
+              <a:t>Third level</a:t>
+            </a:r>
+          </a:p>
+          <a:p>
+            <a:pPr marL="0" marR="0" lvl="3" indent="0" algn="l" defTabSz="914400" rtl="0" eaLnBrk="1" fontAlgn="auto" latinLnBrk="0" hangingPunct="1">
+              <a:lnSpc>
+                <a:spcPct val="90000"/>
+              </a:lnSpc>
+              <a:spcBef>
+                <a:spcPts val="1000"/>
+              </a:spcBef>
+              <a:spcAft>
+                <a:spcPts val="0"/>
+              </a:spcAft>
+              <a:buClrTx/>
+              <a:buSzTx/>
+              <a:buFont typeface="Arial" panose="020B0604020202020204" pitchFamily="34" charset="0"/>
+              <a:buNone/>
+              <a:tabLst/>
+              <a:defRPr/>
+            </a:pPr>
+            <a:r>
+              <a:rPr kumimoji="0" lang="en-US" sz="2400" b="0" i="0" u="none" strike="noStrike" kern="1200" cap="none" spc="0" normalizeH="0" baseline="0" noProof="0" smtClean="0">
+                <a:ln>
+                  <a:noFill/>
+                </a:ln>
+                <a:solidFill>
+                  <a:prstClr val="black"/>
+                </a:solidFill>
+                <a:effectLst/>
+                <a:uLnTx/>
+                <a:uFillTx/>
+                <a:latin typeface="Arial" panose="020B0604020202020204" pitchFamily="34" charset="0"/>
+                <a:cs typeface="Arial" panose="020B0604020202020204" pitchFamily="34" charset="0"/>
+                <a:sym typeface="Roboto"/>
+              </a:rPr>
+              <a:t>Fourth level</a:t>
+            </a:r>
+          </a:p>
+          <a:p>
+            <a:pPr marL="0" marR="0" lvl="4" indent="0" algn="l" defTabSz="914400" rtl="0" eaLnBrk="1" fontAlgn="auto" latinLnBrk="0" hangingPunct="1">
+              <a:lnSpc>
+                <a:spcPct val="90000"/>
+              </a:lnSpc>
+              <a:spcBef>
+                <a:spcPts val="1000"/>
+              </a:spcBef>
+              <a:spcAft>
+                <a:spcPts val="0"/>
+              </a:spcAft>
+              <a:buClrTx/>
+              <a:buSzTx/>
+              <a:buFont typeface="Arial" panose="020B0604020202020204" pitchFamily="34" charset="0"/>
+              <a:buNone/>
+              <a:tabLst/>
+              <a:defRPr/>
+            </a:pPr>
+            <a:r>
+              <a:rPr kumimoji="0" lang="en-US" sz="2400" b="0" i="0" u="none" strike="noStrike" kern="1200" cap="none" spc="0" normalizeH="0" baseline="0" noProof="0" smtClean="0">
+                <a:ln>
+                  <a:noFill/>
+                </a:ln>
+                <a:solidFill>
+                  <a:prstClr val="black"/>
+                </a:solidFill>
+                <a:effectLst/>
+                <a:uLnTx/>
+                <a:uFillTx/>
+                <a:latin typeface="Arial" panose="020B0604020202020204" pitchFamily="34" charset="0"/>
+                <a:cs typeface="Arial" panose="020B0604020202020204" pitchFamily="34" charset="0"/>
+                <a:sym typeface="Roboto"/>
+              </a:rPr>
+              <a:t>Fifth level</a:t>
+            </a:r>
+            <a:endParaRPr kumimoji="0" lang="en-GB" sz="1600" b="0" i="0" u="none" strike="noStrike" kern="1200" cap="none" spc="0" normalizeH="0" baseline="0" noProof="0" dirty="0" smtClean="0">
+              <a:ln>
+                <a:noFill/>
+              </a:ln>
+              <a:solidFill>
+                <a:prstClr val="black"/>
+              </a:solidFill>
+              <a:effectLst/>
+              <a:uLnTx/>
+              <a:uFillTx/>
+              <a:latin typeface="Arial" panose="020B0604020202020204" pitchFamily="34" charset="0"/>
+              <a:cs typeface="Arial" panose="020B0604020202020204" pitchFamily="34" charset="0"/>
+              <a:sym typeface="Roboto"/>
+            </a:endParaRPr>
           </a:p>
         </p:txBody>
       </p:sp>
@@ -3044,8 +3446,8 @@
         </p:nvGrpSpPr>
         <p:grpSpPr>
           <a:xfrm flipV="1">
-            <a:off x="8179849" y="4177960"/>
-            <a:ext cx="4060835" cy="2707427"/>
+            <a:off x="8179850" y="4177958"/>
+            <a:ext cx="4060834" cy="2707427"/>
             <a:chOff x="6098378" y="4"/>
             <a:chExt cx="3045625" cy="2030570"/>
           </a:xfrm>
@@ -3083,7 +3485,7 @@
                 </a:spcBef>
                 <a:buNone/>
               </a:pPr>
-              <a:endParaRPr sz="1799"/>
+              <a:endParaRPr sz="2399"/>
             </a:p>
           </p:txBody>
         </p:sp>
@@ -3120,7 +3522,7 @@
                 </a:spcBef>
                 <a:buNone/>
               </a:pPr>
-              <a:endParaRPr sz="1799"/>
+              <a:endParaRPr sz="2399"/>
             </a:p>
           </p:txBody>
         </p:sp>
@@ -3157,7 +3559,7 @@
                 </a:spcBef>
                 <a:buNone/>
               </a:pPr>
-              <a:endParaRPr sz="1799"/>
+              <a:endParaRPr sz="2399"/>
             </a:p>
           </p:txBody>
         </p:sp>
@@ -3194,7 +3596,7 @@
                 </a:spcBef>
                 <a:buNone/>
               </a:pPr>
-              <a:endParaRPr sz="1799"/>
+              <a:endParaRPr sz="2399"/>
             </a:p>
           </p:txBody>
         </p:sp>
@@ -3231,7 +3633,7 @@
                 </a:spcBef>
                 <a:buNone/>
               </a:pPr>
-              <a:endParaRPr sz="1799"/>
+              <a:endParaRPr sz="2399"/>
             </a:p>
           </p:txBody>
         </p:sp>
@@ -3239,7 +3641,7 @@
     </p:spTree>
     <p:extLst>
       <p:ext uri="{BB962C8B-B14F-4D97-AF65-F5344CB8AC3E}">
-        <p14:creationId xmlns:p14="http://schemas.microsoft.com/office/powerpoint/2010/main" val="3536710086"/>
+        <p14:creationId xmlns:p14="http://schemas.microsoft.com/office/powerpoint/2010/main" val="629011913"/>
       </p:ext>
     </p:extLst>
   </p:cSld>
@@ -3377,79 +3779,316 @@
         <p:txBody>
           <a:bodyPr lIns="91425" tIns="91425" rIns="91425" bIns="91425" anchor="t" anchorCtr="0"/>
           <a:lstStyle>
-            <a:lvl1pPr lvl="0">
-              <a:spcBef>
-                <a:spcPts val="0"/>
-              </a:spcBef>
-              <a:buSzPct val="100000"/>
-              <a:defRPr sz="1500">
+            <a:lvl1pPr marL="0" marR="0" lvl="0" indent="0" algn="l" defTabSz="914400" rtl="0" eaLnBrk="1" fontAlgn="auto" latinLnBrk="0" hangingPunct="1">
+              <a:lnSpc>
+                <a:spcPct val="90000"/>
+              </a:lnSpc>
+              <a:spcBef>
+                <a:spcPts val="1000"/>
+              </a:spcBef>
+              <a:spcAft>
+                <a:spcPts val="0"/>
+              </a:spcAft>
+              <a:buClrTx/>
+              <a:buSzTx/>
+              <a:buFont typeface="Arial" panose="020B0604020202020204" pitchFamily="34" charset="0"/>
+              <a:buNone/>
+              <a:tabLst/>
+              <a:defRPr sz="2000">
                 <a:latin typeface="Arial" panose="020B0604020202020204" pitchFamily="34" charset="0"/>
                 <a:cs typeface="Arial" panose="020B0604020202020204" pitchFamily="34" charset="0"/>
               </a:defRPr>
             </a:lvl1pPr>
-            <a:lvl2pPr lvl="1">
-              <a:spcBef>
-                <a:spcPts val="0"/>
-              </a:spcBef>
-              <a:buSzPct val="100000"/>
-              <a:defRPr sz="1200"/>
+            <a:lvl2pPr marL="685800" marR="0" lvl="1" indent="-228600" algn="l" defTabSz="914400" rtl="0" eaLnBrk="1" fontAlgn="auto" latinLnBrk="0" hangingPunct="1">
+              <a:lnSpc>
+                <a:spcPct val="90000"/>
+              </a:lnSpc>
+              <a:spcBef>
+                <a:spcPts val="500"/>
+              </a:spcBef>
+              <a:spcAft>
+                <a:spcPts val="0"/>
+              </a:spcAft>
+              <a:buClrTx/>
+              <a:buSzTx/>
+              <a:buFont typeface="Arial" panose="020B0604020202020204" pitchFamily="34" charset="0"/>
+              <a:buChar char="•"/>
+              <a:tabLst/>
+              <a:defRPr sz="1600"/>
             </a:lvl2pPr>
-            <a:lvl3pPr lvl="2">
-              <a:spcBef>
-                <a:spcPts val="0"/>
-              </a:spcBef>
-              <a:buSzPct val="100000"/>
-              <a:defRPr sz="1200"/>
+            <a:lvl3pPr marL="1143000" marR="0" lvl="2" indent="-228600" algn="l" defTabSz="914400" rtl="0" eaLnBrk="1" fontAlgn="auto" latinLnBrk="0" hangingPunct="1">
+              <a:lnSpc>
+                <a:spcPct val="90000"/>
+              </a:lnSpc>
+              <a:spcBef>
+                <a:spcPts val="500"/>
+              </a:spcBef>
+              <a:spcAft>
+                <a:spcPts val="0"/>
+              </a:spcAft>
+              <a:buClrTx/>
+              <a:buSzTx/>
+              <a:buFont typeface="Arial" panose="020B0604020202020204" pitchFamily="34" charset="0"/>
+              <a:buChar char="•"/>
+              <a:tabLst/>
+              <a:defRPr sz="1600"/>
             </a:lvl3pPr>
-            <a:lvl4pPr lvl="3">
-              <a:spcBef>
-                <a:spcPts val="0"/>
-              </a:spcBef>
-              <a:buSzPct val="100000"/>
-              <a:defRPr sz="1200"/>
+            <a:lvl4pPr marL="1600200" marR="0" lvl="3" indent="-228600" algn="l" defTabSz="914400" rtl="0" eaLnBrk="1" fontAlgn="auto" latinLnBrk="0" hangingPunct="1">
+              <a:lnSpc>
+                <a:spcPct val="90000"/>
+              </a:lnSpc>
+              <a:spcBef>
+                <a:spcPts val="500"/>
+              </a:spcBef>
+              <a:spcAft>
+                <a:spcPts val="0"/>
+              </a:spcAft>
+              <a:buClrTx/>
+              <a:buSzTx/>
+              <a:buFont typeface="Arial" panose="020B0604020202020204" pitchFamily="34" charset="0"/>
+              <a:buChar char="•"/>
+              <a:tabLst/>
+              <a:defRPr sz="1600"/>
             </a:lvl4pPr>
-            <a:lvl5pPr lvl="4">
-              <a:spcBef>
-                <a:spcPts val="0"/>
-              </a:spcBef>
-              <a:buSzPct val="100000"/>
-              <a:defRPr sz="1200"/>
+            <a:lvl5pPr marL="2057400" marR="0" lvl="4" indent="-228600" algn="l" defTabSz="914400" rtl="0" eaLnBrk="1" fontAlgn="auto" latinLnBrk="0" hangingPunct="1">
+              <a:lnSpc>
+                <a:spcPct val="90000"/>
+              </a:lnSpc>
+              <a:spcBef>
+                <a:spcPts val="500"/>
+              </a:spcBef>
+              <a:spcAft>
+                <a:spcPts val="0"/>
+              </a:spcAft>
+              <a:buClrTx/>
+              <a:buSzTx/>
+              <a:buFont typeface="Arial" panose="020B0604020202020204" pitchFamily="34" charset="0"/>
+              <a:buChar char="•"/>
+              <a:tabLst/>
+              <a:defRPr sz="1600"/>
             </a:lvl5pPr>
             <a:lvl6pPr lvl="5">
               <a:spcBef>
                 <a:spcPts val="0"/>
               </a:spcBef>
               <a:buSzPct val="100000"/>
-              <a:defRPr sz="1200"/>
+              <a:defRPr sz="1600"/>
             </a:lvl6pPr>
             <a:lvl7pPr lvl="6">
               <a:spcBef>
                 <a:spcPts val="0"/>
               </a:spcBef>
               <a:buSzPct val="100000"/>
-              <a:defRPr sz="1200"/>
+              <a:defRPr sz="1600"/>
             </a:lvl7pPr>
             <a:lvl8pPr lvl="7">
               <a:spcBef>
                 <a:spcPts val="0"/>
               </a:spcBef>
               <a:buSzPct val="100000"/>
-              <a:defRPr sz="1200"/>
+              <a:defRPr sz="1600"/>
             </a:lvl8pPr>
             <a:lvl9pPr lvl="8">
               <a:spcBef>
                 <a:spcPts val="0"/>
               </a:spcBef>
               <a:buSzPct val="100000"/>
-              <a:defRPr sz="1200"/>
+              <a:defRPr sz="1600"/>
             </a:lvl9pPr>
           </a:lstStyle>
           <a:p>
-            <a:pPr lvl="0"/>
-            <a:r>
-              <a:rPr lang="en-US" smtClean="0"/>
+            <a:pPr marL="0" marR="0" lvl="0" indent="0" algn="l" defTabSz="914400" rtl="0" eaLnBrk="1" fontAlgn="auto" latinLnBrk="0" hangingPunct="1">
+              <a:lnSpc>
+                <a:spcPct val="90000"/>
+              </a:lnSpc>
+              <a:spcBef>
+                <a:spcPts val="1000"/>
+              </a:spcBef>
+              <a:spcAft>
+                <a:spcPts val="0"/>
+              </a:spcAft>
+              <a:buClrTx/>
+              <a:buSzTx/>
+              <a:buFont typeface="Arial" panose="020B0604020202020204" pitchFamily="34" charset="0"/>
+              <a:buNone/>
+              <a:tabLst/>
+              <a:defRPr/>
+            </a:pPr>
+            <a:r>
+              <a:rPr kumimoji="0" lang="en-US" sz="2400" b="0" i="0" u="none" strike="noStrike" kern="1200" cap="none" spc="0" normalizeH="0" baseline="0" noProof="0" smtClean="0">
+                <a:ln>
+                  <a:noFill/>
+                </a:ln>
+                <a:solidFill>
+                  <a:prstClr val="black"/>
+                </a:solidFill>
+                <a:effectLst/>
+                <a:uLnTx/>
+                <a:uFillTx/>
+                <a:latin typeface="Arial" panose="020B0604020202020204" pitchFamily="34" charset="0"/>
+                <a:cs typeface="Arial" panose="020B0604020202020204" pitchFamily="34" charset="0"/>
+                <a:sym typeface="Roboto"/>
+              </a:rPr>
               <a:t>Edit Master text styles</a:t>
             </a:r>
+          </a:p>
+          <a:p>
+            <a:pPr marL="0" marR="0" lvl="1" indent="0" algn="l" defTabSz="914400" rtl="0" eaLnBrk="1" fontAlgn="auto" latinLnBrk="0" hangingPunct="1">
+              <a:lnSpc>
+                <a:spcPct val="90000"/>
+              </a:lnSpc>
+              <a:spcBef>
+                <a:spcPts val="1000"/>
+              </a:spcBef>
+              <a:spcAft>
+                <a:spcPts val="0"/>
+              </a:spcAft>
+              <a:buClrTx/>
+              <a:buSzTx/>
+              <a:buFont typeface="Arial" panose="020B0604020202020204" pitchFamily="34" charset="0"/>
+              <a:buNone/>
+              <a:tabLst/>
+              <a:defRPr/>
+            </a:pPr>
+            <a:r>
+              <a:rPr kumimoji="0" lang="en-US" sz="2400" b="0" i="0" u="none" strike="noStrike" kern="1200" cap="none" spc="0" normalizeH="0" baseline="0" noProof="0" smtClean="0">
+                <a:ln>
+                  <a:noFill/>
+                </a:ln>
+                <a:solidFill>
+                  <a:prstClr val="black"/>
+                </a:solidFill>
+                <a:effectLst/>
+                <a:uLnTx/>
+                <a:uFillTx/>
+                <a:latin typeface="Arial" panose="020B0604020202020204" pitchFamily="34" charset="0"/>
+                <a:cs typeface="Arial" panose="020B0604020202020204" pitchFamily="34" charset="0"/>
+                <a:sym typeface="Roboto"/>
+              </a:rPr>
+              <a:t>Second level</a:t>
+            </a:r>
+          </a:p>
+          <a:p>
+            <a:pPr marL="0" marR="0" lvl="2" indent="0" algn="l" defTabSz="914400" rtl="0" eaLnBrk="1" fontAlgn="auto" latinLnBrk="0" hangingPunct="1">
+              <a:lnSpc>
+                <a:spcPct val="90000"/>
+              </a:lnSpc>
+              <a:spcBef>
+                <a:spcPts val="1000"/>
+              </a:spcBef>
+              <a:spcAft>
+                <a:spcPts val="0"/>
+              </a:spcAft>
+              <a:buClrTx/>
+              <a:buSzTx/>
+              <a:buFont typeface="Arial" panose="020B0604020202020204" pitchFamily="34" charset="0"/>
+              <a:buNone/>
+              <a:tabLst/>
+              <a:defRPr/>
+            </a:pPr>
+            <a:r>
+              <a:rPr kumimoji="0" lang="en-US" sz="2400" b="0" i="0" u="none" strike="noStrike" kern="1200" cap="none" spc="0" normalizeH="0" baseline="0" noProof="0" smtClean="0">
+                <a:ln>
+                  <a:noFill/>
+                </a:ln>
+                <a:solidFill>
+                  <a:prstClr val="black"/>
+                </a:solidFill>
+                <a:effectLst/>
+                <a:uLnTx/>
+                <a:uFillTx/>
+                <a:latin typeface="Arial" panose="020B0604020202020204" pitchFamily="34" charset="0"/>
+                <a:cs typeface="Arial" panose="020B0604020202020204" pitchFamily="34" charset="0"/>
+                <a:sym typeface="Roboto"/>
+              </a:rPr>
+              <a:t>Third level</a:t>
+            </a:r>
+          </a:p>
+          <a:p>
+            <a:pPr marL="0" marR="0" lvl="3" indent="0" algn="l" defTabSz="914400" rtl="0" eaLnBrk="1" fontAlgn="auto" latinLnBrk="0" hangingPunct="1">
+              <a:lnSpc>
+                <a:spcPct val="90000"/>
+              </a:lnSpc>
+              <a:spcBef>
+                <a:spcPts val="1000"/>
+              </a:spcBef>
+              <a:spcAft>
+                <a:spcPts val="0"/>
+              </a:spcAft>
+              <a:buClrTx/>
+              <a:buSzTx/>
+              <a:buFont typeface="Arial" panose="020B0604020202020204" pitchFamily="34" charset="0"/>
+              <a:buNone/>
+              <a:tabLst/>
+              <a:defRPr/>
+            </a:pPr>
+            <a:r>
+              <a:rPr kumimoji="0" lang="en-US" sz="2400" b="0" i="0" u="none" strike="noStrike" kern="1200" cap="none" spc="0" normalizeH="0" baseline="0" noProof="0" smtClean="0">
+                <a:ln>
+                  <a:noFill/>
+                </a:ln>
+                <a:solidFill>
+                  <a:prstClr val="black"/>
+                </a:solidFill>
+                <a:effectLst/>
+                <a:uLnTx/>
+                <a:uFillTx/>
+                <a:latin typeface="Arial" panose="020B0604020202020204" pitchFamily="34" charset="0"/>
+                <a:cs typeface="Arial" panose="020B0604020202020204" pitchFamily="34" charset="0"/>
+                <a:sym typeface="Roboto"/>
+              </a:rPr>
+              <a:t>Fourth level</a:t>
+            </a:r>
+          </a:p>
+          <a:p>
+            <a:pPr marL="0" marR="0" lvl="4" indent="0" algn="l" defTabSz="914400" rtl="0" eaLnBrk="1" fontAlgn="auto" latinLnBrk="0" hangingPunct="1">
+              <a:lnSpc>
+                <a:spcPct val="90000"/>
+              </a:lnSpc>
+              <a:spcBef>
+                <a:spcPts val="1000"/>
+              </a:spcBef>
+              <a:spcAft>
+                <a:spcPts val="0"/>
+              </a:spcAft>
+              <a:buClrTx/>
+              <a:buSzTx/>
+              <a:buFont typeface="Arial" panose="020B0604020202020204" pitchFamily="34" charset="0"/>
+              <a:buNone/>
+              <a:tabLst/>
+              <a:defRPr/>
+            </a:pPr>
+            <a:r>
+              <a:rPr kumimoji="0" lang="en-US" sz="2400" b="0" i="0" u="none" strike="noStrike" kern="1200" cap="none" spc="0" normalizeH="0" baseline="0" noProof="0" smtClean="0">
+                <a:ln>
+                  <a:noFill/>
+                </a:ln>
+                <a:solidFill>
+                  <a:prstClr val="black"/>
+                </a:solidFill>
+                <a:effectLst/>
+                <a:uLnTx/>
+                <a:uFillTx/>
+                <a:latin typeface="Arial" panose="020B0604020202020204" pitchFamily="34" charset="0"/>
+                <a:cs typeface="Arial" panose="020B0604020202020204" pitchFamily="34" charset="0"/>
+                <a:sym typeface="Roboto"/>
+              </a:rPr>
+              <a:t>Fifth level</a:t>
+            </a:r>
+            <a:endParaRPr kumimoji="0" lang="en-GB" sz="1600" b="0" i="0" u="none" strike="noStrike" kern="1200" cap="none" spc="0" normalizeH="0" baseline="0" noProof="0" dirty="0" smtClean="0">
+              <a:ln>
+                <a:noFill/>
+              </a:ln>
+              <a:solidFill>
+                <a:prstClr val="black"/>
+              </a:solidFill>
+              <a:effectLst/>
+              <a:uLnTx/>
+              <a:uFillTx/>
+              <a:latin typeface="Arial" panose="020B0604020202020204" pitchFamily="34" charset="0"/>
+              <a:cs typeface="Arial" panose="020B0604020202020204" pitchFamily="34" charset="0"/>
+              <a:sym typeface="Roboto"/>
+            </a:endParaRPr>
           </a:p>
         </p:txBody>
       </p:sp>
@@ -3475,86 +4114,323 @@
         <p:txBody>
           <a:bodyPr lIns="91425" tIns="91425" rIns="91425" bIns="91425" anchor="t" anchorCtr="0"/>
           <a:lstStyle>
-            <a:lvl1pPr lvl="0">
-              <a:spcBef>
-                <a:spcPts val="0"/>
-              </a:spcBef>
-              <a:buSzPct val="100000"/>
-              <a:defRPr sz="1500">
+            <a:lvl1pPr marL="0" marR="0" lvl="0" indent="0" algn="l" defTabSz="914400" rtl="0" eaLnBrk="1" fontAlgn="auto" latinLnBrk="0" hangingPunct="1">
+              <a:lnSpc>
+                <a:spcPct val="90000"/>
+              </a:lnSpc>
+              <a:spcBef>
+                <a:spcPts val="1000"/>
+              </a:spcBef>
+              <a:spcAft>
+                <a:spcPts val="0"/>
+              </a:spcAft>
+              <a:buClrTx/>
+              <a:buSzTx/>
+              <a:buFont typeface="Arial" panose="020B0604020202020204" pitchFamily="34" charset="0"/>
+              <a:buNone/>
+              <a:tabLst/>
+              <a:defRPr sz="2000">
                 <a:latin typeface="Arial" panose="020B0604020202020204" pitchFamily="34" charset="0"/>
                 <a:cs typeface="Arial" panose="020B0604020202020204" pitchFamily="34" charset="0"/>
               </a:defRPr>
             </a:lvl1pPr>
-            <a:lvl2pPr lvl="1">
-              <a:spcBef>
-                <a:spcPts val="0"/>
-              </a:spcBef>
-              <a:buSzPct val="100000"/>
-              <a:defRPr sz="1200"/>
+            <a:lvl2pPr marL="685800" marR="0" lvl="1" indent="-228600" algn="l" defTabSz="914400" rtl="0" eaLnBrk="1" fontAlgn="auto" latinLnBrk="0" hangingPunct="1">
+              <a:lnSpc>
+                <a:spcPct val="90000"/>
+              </a:lnSpc>
+              <a:spcBef>
+                <a:spcPts val="500"/>
+              </a:spcBef>
+              <a:spcAft>
+                <a:spcPts val="0"/>
+              </a:spcAft>
+              <a:buClrTx/>
+              <a:buSzTx/>
+              <a:buFont typeface="Arial" panose="020B0604020202020204" pitchFamily="34" charset="0"/>
+              <a:buChar char="•"/>
+              <a:tabLst/>
+              <a:defRPr sz="1600"/>
             </a:lvl2pPr>
-            <a:lvl3pPr lvl="2">
-              <a:spcBef>
-                <a:spcPts val="0"/>
-              </a:spcBef>
-              <a:buSzPct val="100000"/>
-              <a:defRPr sz="1200"/>
+            <a:lvl3pPr marL="1143000" marR="0" lvl="2" indent="-228600" algn="l" defTabSz="914400" rtl="0" eaLnBrk="1" fontAlgn="auto" latinLnBrk="0" hangingPunct="1">
+              <a:lnSpc>
+                <a:spcPct val="90000"/>
+              </a:lnSpc>
+              <a:spcBef>
+                <a:spcPts val="500"/>
+              </a:spcBef>
+              <a:spcAft>
+                <a:spcPts val="0"/>
+              </a:spcAft>
+              <a:buClrTx/>
+              <a:buSzTx/>
+              <a:buFont typeface="Arial" panose="020B0604020202020204" pitchFamily="34" charset="0"/>
+              <a:buChar char="•"/>
+              <a:tabLst/>
+              <a:defRPr sz="1600"/>
             </a:lvl3pPr>
-            <a:lvl4pPr lvl="3">
-              <a:spcBef>
-                <a:spcPts val="0"/>
-              </a:spcBef>
-              <a:buSzPct val="100000"/>
-              <a:defRPr sz="1200"/>
+            <a:lvl4pPr marL="1600200" marR="0" lvl="3" indent="-228600" algn="l" defTabSz="914400" rtl="0" eaLnBrk="1" fontAlgn="auto" latinLnBrk="0" hangingPunct="1">
+              <a:lnSpc>
+                <a:spcPct val="90000"/>
+              </a:lnSpc>
+              <a:spcBef>
+                <a:spcPts val="500"/>
+              </a:spcBef>
+              <a:spcAft>
+                <a:spcPts val="0"/>
+              </a:spcAft>
+              <a:buClrTx/>
+              <a:buSzTx/>
+              <a:buFont typeface="Arial" panose="020B0604020202020204" pitchFamily="34" charset="0"/>
+              <a:buChar char="•"/>
+              <a:tabLst/>
+              <a:defRPr sz="1600"/>
             </a:lvl4pPr>
-            <a:lvl5pPr lvl="4">
-              <a:spcBef>
-                <a:spcPts val="0"/>
-              </a:spcBef>
-              <a:buSzPct val="100000"/>
-              <a:defRPr sz="1200"/>
+            <a:lvl5pPr marL="2057400" marR="0" lvl="4" indent="-228600" algn="l" defTabSz="914400" rtl="0" eaLnBrk="1" fontAlgn="auto" latinLnBrk="0" hangingPunct="1">
+              <a:lnSpc>
+                <a:spcPct val="90000"/>
+              </a:lnSpc>
+              <a:spcBef>
+                <a:spcPts val="500"/>
+              </a:spcBef>
+              <a:spcAft>
+                <a:spcPts val="0"/>
+              </a:spcAft>
+              <a:buClrTx/>
+              <a:buSzTx/>
+              <a:buFont typeface="Arial" panose="020B0604020202020204" pitchFamily="34" charset="0"/>
+              <a:buChar char="•"/>
+              <a:tabLst/>
+              <a:defRPr sz="1600"/>
             </a:lvl5pPr>
             <a:lvl6pPr lvl="5">
               <a:spcBef>
                 <a:spcPts val="0"/>
               </a:spcBef>
               <a:buSzPct val="100000"/>
-              <a:defRPr sz="1200"/>
+              <a:defRPr sz="1600"/>
             </a:lvl6pPr>
             <a:lvl7pPr lvl="6">
               <a:spcBef>
                 <a:spcPts val="0"/>
               </a:spcBef>
               <a:buSzPct val="100000"/>
-              <a:defRPr sz="1200"/>
+              <a:defRPr sz="1600"/>
             </a:lvl7pPr>
             <a:lvl8pPr lvl="7">
               <a:spcBef>
                 <a:spcPts val="0"/>
               </a:spcBef>
               <a:buSzPct val="100000"/>
-              <a:defRPr sz="1200"/>
+              <a:defRPr sz="1600"/>
             </a:lvl8pPr>
             <a:lvl9pPr lvl="8">
               <a:spcBef>
                 <a:spcPts val="0"/>
               </a:spcBef>
               <a:buSzPct val="100000"/>
-              <a:defRPr sz="1200"/>
+              <a:defRPr sz="1600"/>
             </a:lvl9pPr>
           </a:lstStyle>
           <a:p>
-            <a:pPr lvl="0"/>
-            <a:r>
-              <a:rPr lang="en-US" smtClean="0"/>
+            <a:pPr marL="0" marR="0" lvl="0" indent="0" algn="l" defTabSz="914400" rtl="0" eaLnBrk="1" fontAlgn="auto" latinLnBrk="0" hangingPunct="1">
+              <a:lnSpc>
+                <a:spcPct val="90000"/>
+              </a:lnSpc>
+              <a:spcBef>
+                <a:spcPts val="1000"/>
+              </a:spcBef>
+              <a:spcAft>
+                <a:spcPts val="0"/>
+              </a:spcAft>
+              <a:buClrTx/>
+              <a:buSzTx/>
+              <a:buFont typeface="Arial" panose="020B0604020202020204" pitchFamily="34" charset="0"/>
+              <a:buNone/>
+              <a:tabLst/>
+              <a:defRPr/>
+            </a:pPr>
+            <a:r>
+              <a:rPr kumimoji="0" lang="en-US" sz="2400" b="0" i="0" u="none" strike="noStrike" kern="1200" cap="none" spc="0" normalizeH="0" baseline="0" noProof="0" smtClean="0">
+                <a:ln>
+                  <a:noFill/>
+                </a:ln>
+                <a:solidFill>
+                  <a:prstClr val="black"/>
+                </a:solidFill>
+                <a:effectLst/>
+                <a:uLnTx/>
+                <a:uFillTx/>
+                <a:latin typeface="Arial" panose="020B0604020202020204" pitchFamily="34" charset="0"/>
+                <a:cs typeface="Arial" panose="020B0604020202020204" pitchFamily="34" charset="0"/>
+                <a:sym typeface="Roboto"/>
+              </a:rPr>
               <a:t>Edit Master text styles</a:t>
             </a:r>
+          </a:p>
+          <a:p>
+            <a:pPr marL="0" marR="0" lvl="1" indent="0" algn="l" defTabSz="914400" rtl="0" eaLnBrk="1" fontAlgn="auto" latinLnBrk="0" hangingPunct="1">
+              <a:lnSpc>
+                <a:spcPct val="90000"/>
+              </a:lnSpc>
+              <a:spcBef>
+                <a:spcPts val="1000"/>
+              </a:spcBef>
+              <a:spcAft>
+                <a:spcPts val="0"/>
+              </a:spcAft>
+              <a:buClrTx/>
+              <a:buSzTx/>
+              <a:buFont typeface="Arial" panose="020B0604020202020204" pitchFamily="34" charset="0"/>
+              <a:buNone/>
+              <a:tabLst/>
+              <a:defRPr/>
+            </a:pPr>
+            <a:r>
+              <a:rPr kumimoji="0" lang="en-US" sz="2400" b="0" i="0" u="none" strike="noStrike" kern="1200" cap="none" spc="0" normalizeH="0" baseline="0" noProof="0" smtClean="0">
+                <a:ln>
+                  <a:noFill/>
+                </a:ln>
+                <a:solidFill>
+                  <a:prstClr val="black"/>
+                </a:solidFill>
+                <a:effectLst/>
+                <a:uLnTx/>
+                <a:uFillTx/>
+                <a:latin typeface="Arial" panose="020B0604020202020204" pitchFamily="34" charset="0"/>
+                <a:cs typeface="Arial" panose="020B0604020202020204" pitchFamily="34" charset="0"/>
+                <a:sym typeface="Roboto"/>
+              </a:rPr>
+              <a:t>Second level</a:t>
+            </a:r>
+          </a:p>
+          <a:p>
+            <a:pPr marL="0" marR="0" lvl="2" indent="0" algn="l" defTabSz="914400" rtl="0" eaLnBrk="1" fontAlgn="auto" latinLnBrk="0" hangingPunct="1">
+              <a:lnSpc>
+                <a:spcPct val="90000"/>
+              </a:lnSpc>
+              <a:spcBef>
+                <a:spcPts val="1000"/>
+              </a:spcBef>
+              <a:spcAft>
+                <a:spcPts val="0"/>
+              </a:spcAft>
+              <a:buClrTx/>
+              <a:buSzTx/>
+              <a:buFont typeface="Arial" panose="020B0604020202020204" pitchFamily="34" charset="0"/>
+              <a:buNone/>
+              <a:tabLst/>
+              <a:defRPr/>
+            </a:pPr>
+            <a:r>
+              <a:rPr kumimoji="0" lang="en-US" sz="2400" b="0" i="0" u="none" strike="noStrike" kern="1200" cap="none" spc="0" normalizeH="0" baseline="0" noProof="0" smtClean="0">
+                <a:ln>
+                  <a:noFill/>
+                </a:ln>
+                <a:solidFill>
+                  <a:prstClr val="black"/>
+                </a:solidFill>
+                <a:effectLst/>
+                <a:uLnTx/>
+                <a:uFillTx/>
+                <a:latin typeface="Arial" panose="020B0604020202020204" pitchFamily="34" charset="0"/>
+                <a:cs typeface="Arial" panose="020B0604020202020204" pitchFamily="34" charset="0"/>
+                <a:sym typeface="Roboto"/>
+              </a:rPr>
+              <a:t>Third level</a:t>
+            </a:r>
+          </a:p>
+          <a:p>
+            <a:pPr marL="0" marR="0" lvl="3" indent="0" algn="l" defTabSz="914400" rtl="0" eaLnBrk="1" fontAlgn="auto" latinLnBrk="0" hangingPunct="1">
+              <a:lnSpc>
+                <a:spcPct val="90000"/>
+              </a:lnSpc>
+              <a:spcBef>
+                <a:spcPts val="1000"/>
+              </a:spcBef>
+              <a:spcAft>
+                <a:spcPts val="0"/>
+              </a:spcAft>
+              <a:buClrTx/>
+              <a:buSzTx/>
+              <a:buFont typeface="Arial" panose="020B0604020202020204" pitchFamily="34" charset="0"/>
+              <a:buNone/>
+              <a:tabLst/>
+              <a:defRPr/>
+            </a:pPr>
+            <a:r>
+              <a:rPr kumimoji="0" lang="en-US" sz="2400" b="0" i="0" u="none" strike="noStrike" kern="1200" cap="none" spc="0" normalizeH="0" baseline="0" noProof="0" smtClean="0">
+                <a:ln>
+                  <a:noFill/>
+                </a:ln>
+                <a:solidFill>
+                  <a:prstClr val="black"/>
+                </a:solidFill>
+                <a:effectLst/>
+                <a:uLnTx/>
+                <a:uFillTx/>
+                <a:latin typeface="Arial" panose="020B0604020202020204" pitchFamily="34" charset="0"/>
+                <a:cs typeface="Arial" panose="020B0604020202020204" pitchFamily="34" charset="0"/>
+                <a:sym typeface="Roboto"/>
+              </a:rPr>
+              <a:t>Fourth level</a:t>
+            </a:r>
+          </a:p>
+          <a:p>
+            <a:pPr marL="0" marR="0" lvl="4" indent="0" algn="l" defTabSz="914400" rtl="0" eaLnBrk="1" fontAlgn="auto" latinLnBrk="0" hangingPunct="1">
+              <a:lnSpc>
+                <a:spcPct val="90000"/>
+              </a:lnSpc>
+              <a:spcBef>
+                <a:spcPts val="1000"/>
+              </a:spcBef>
+              <a:spcAft>
+                <a:spcPts val="0"/>
+              </a:spcAft>
+              <a:buClrTx/>
+              <a:buSzTx/>
+              <a:buFont typeface="Arial" panose="020B0604020202020204" pitchFamily="34" charset="0"/>
+              <a:buNone/>
+              <a:tabLst/>
+              <a:defRPr/>
+            </a:pPr>
+            <a:r>
+              <a:rPr kumimoji="0" lang="en-US" sz="2400" b="0" i="0" u="none" strike="noStrike" kern="1200" cap="none" spc="0" normalizeH="0" baseline="0" noProof="0" smtClean="0">
+                <a:ln>
+                  <a:noFill/>
+                </a:ln>
+                <a:solidFill>
+                  <a:prstClr val="black"/>
+                </a:solidFill>
+                <a:effectLst/>
+                <a:uLnTx/>
+                <a:uFillTx/>
+                <a:latin typeface="Arial" panose="020B0604020202020204" pitchFamily="34" charset="0"/>
+                <a:cs typeface="Arial" panose="020B0604020202020204" pitchFamily="34" charset="0"/>
+                <a:sym typeface="Roboto"/>
+              </a:rPr>
+              <a:t>Fifth level</a:t>
+            </a:r>
+            <a:endParaRPr kumimoji="0" lang="en-GB" sz="1600" b="0" i="0" u="none" strike="noStrike" kern="1200" cap="none" spc="0" normalizeH="0" baseline="0" noProof="0" dirty="0" smtClean="0">
+              <a:ln>
+                <a:noFill/>
+              </a:ln>
+              <a:solidFill>
+                <a:prstClr val="black"/>
+              </a:solidFill>
+              <a:effectLst/>
+              <a:uLnTx/>
+              <a:uFillTx/>
+              <a:latin typeface="Arial" panose="020B0604020202020204" pitchFamily="34" charset="0"/>
+              <a:cs typeface="Arial" panose="020B0604020202020204" pitchFamily="34" charset="0"/>
+              <a:sym typeface="Roboto"/>
+            </a:endParaRPr>
           </a:p>
         </p:txBody>
       </p:sp>
     </p:spTree>
     <p:extLst>
       <p:ext uri="{BB962C8B-B14F-4D97-AF65-F5344CB8AC3E}">
-        <p14:creationId xmlns:p14="http://schemas.microsoft.com/office/powerpoint/2010/main" val="3741631449"/>
+        <p14:creationId xmlns:p14="http://schemas.microsoft.com/office/powerpoint/2010/main" val="1320101353"/>
       </p:ext>
     </p:extLst>
   </p:cSld>
@@ -3670,7 +4546,7 @@
     </p:spTree>
     <p:extLst>
       <p:ext uri="{BB962C8B-B14F-4D97-AF65-F5344CB8AC3E}">
-        <p14:creationId xmlns:p14="http://schemas.microsoft.com/office/powerpoint/2010/main" val="4007673910"/>
+        <p14:creationId xmlns:p14="http://schemas.microsoft.com/office/powerpoint/2010/main" val="1976702065"/>
       </p:ext>
     </p:extLst>
   </p:cSld>
@@ -3743,7 +4619,7 @@
                 <a:spcPts val="0"/>
               </a:spcBef>
               <a:buSzPct val="100000"/>
-              <a:defRPr sz="2250">
+              <a:defRPr sz="3000">
                 <a:latin typeface="Arial" panose="020B0604020202020204" pitchFamily="34" charset="0"/>
                 <a:cs typeface="Arial" panose="020B0604020202020204" pitchFamily="34" charset="0"/>
               </a:defRPr>
@@ -3753,56 +4629,56 @@
                 <a:spcPts val="0"/>
               </a:spcBef>
               <a:buSzPct val="100000"/>
-              <a:defRPr sz="2399"/>
+              <a:defRPr sz="3199"/>
             </a:lvl2pPr>
             <a:lvl3pPr lvl="2">
               <a:spcBef>
                 <a:spcPts val="0"/>
               </a:spcBef>
               <a:buSzPct val="100000"/>
-              <a:defRPr sz="2399"/>
+              <a:defRPr sz="3199"/>
             </a:lvl3pPr>
             <a:lvl4pPr lvl="3">
               <a:spcBef>
                 <a:spcPts val="0"/>
               </a:spcBef>
               <a:buSzPct val="100000"/>
-              <a:defRPr sz="2399"/>
+              <a:defRPr sz="3199"/>
             </a:lvl4pPr>
             <a:lvl5pPr lvl="4">
               <a:spcBef>
                 <a:spcPts val="0"/>
               </a:spcBef>
               <a:buSzPct val="100000"/>
-              <a:defRPr sz="2399"/>
+              <a:defRPr sz="3199"/>
             </a:lvl5pPr>
             <a:lvl6pPr lvl="5">
               <a:spcBef>
                 <a:spcPts val="0"/>
               </a:spcBef>
               <a:buSzPct val="100000"/>
-              <a:defRPr sz="2399"/>
+              <a:defRPr sz="3199"/>
             </a:lvl6pPr>
             <a:lvl7pPr lvl="6">
               <a:spcBef>
                 <a:spcPts val="0"/>
               </a:spcBef>
               <a:buSzPct val="100000"/>
-              <a:defRPr sz="2399"/>
+              <a:defRPr sz="3199"/>
             </a:lvl7pPr>
             <a:lvl8pPr lvl="7">
               <a:spcBef>
                 <a:spcPts val="0"/>
               </a:spcBef>
               <a:buSzPct val="100000"/>
-              <a:defRPr sz="2399"/>
+              <a:defRPr sz="3199"/>
             </a:lvl8pPr>
             <a:lvl9pPr lvl="8">
               <a:spcBef>
                 <a:spcPts val="0"/>
               </a:spcBef>
               <a:buSzPct val="100000"/>
-              <a:defRPr sz="2399"/>
+              <a:defRPr sz="3199"/>
             </a:lvl9pPr>
           </a:lstStyle>
           <a:p>
@@ -3836,86 +4712,323 @@
         <p:txBody>
           <a:bodyPr lIns="91425" tIns="91425" rIns="91425" bIns="91425" anchor="t" anchorCtr="0"/>
           <a:lstStyle>
-            <a:lvl1pPr lvl="0">
-              <a:spcBef>
-                <a:spcPts val="0"/>
-              </a:spcBef>
-              <a:buSzPct val="100000"/>
-              <a:defRPr sz="1500">
+            <a:lvl1pPr marL="0" marR="0" lvl="0" indent="0" algn="l" defTabSz="914400" rtl="0" eaLnBrk="1" fontAlgn="auto" latinLnBrk="0" hangingPunct="1">
+              <a:lnSpc>
+                <a:spcPct val="90000"/>
+              </a:lnSpc>
+              <a:spcBef>
+                <a:spcPts val="1000"/>
+              </a:spcBef>
+              <a:spcAft>
+                <a:spcPts val="0"/>
+              </a:spcAft>
+              <a:buClrTx/>
+              <a:buSzTx/>
+              <a:buFont typeface="Arial" panose="020B0604020202020204" pitchFamily="34" charset="0"/>
+              <a:buNone/>
+              <a:tabLst/>
+              <a:defRPr sz="2000">
                 <a:latin typeface="Arial" panose="020B0604020202020204" pitchFamily="34" charset="0"/>
                 <a:cs typeface="Arial" panose="020B0604020202020204" pitchFamily="34" charset="0"/>
               </a:defRPr>
             </a:lvl1pPr>
-            <a:lvl2pPr lvl="1">
-              <a:spcBef>
-                <a:spcPts val="0"/>
-              </a:spcBef>
-              <a:buSzPct val="100000"/>
-              <a:defRPr sz="1200"/>
+            <a:lvl2pPr marL="685800" marR="0" lvl="1" indent="-228600" algn="l" defTabSz="914400" rtl="0" eaLnBrk="1" fontAlgn="auto" latinLnBrk="0" hangingPunct="1">
+              <a:lnSpc>
+                <a:spcPct val="90000"/>
+              </a:lnSpc>
+              <a:spcBef>
+                <a:spcPts val="500"/>
+              </a:spcBef>
+              <a:spcAft>
+                <a:spcPts val="0"/>
+              </a:spcAft>
+              <a:buClrTx/>
+              <a:buSzTx/>
+              <a:buFont typeface="Arial" panose="020B0604020202020204" pitchFamily="34" charset="0"/>
+              <a:buChar char="•"/>
+              <a:tabLst/>
+              <a:defRPr sz="1600"/>
             </a:lvl2pPr>
-            <a:lvl3pPr lvl="2">
-              <a:spcBef>
-                <a:spcPts val="0"/>
-              </a:spcBef>
-              <a:buSzPct val="100000"/>
-              <a:defRPr sz="1200"/>
+            <a:lvl3pPr marL="1143000" marR="0" lvl="2" indent="-228600" algn="l" defTabSz="914400" rtl="0" eaLnBrk="1" fontAlgn="auto" latinLnBrk="0" hangingPunct="1">
+              <a:lnSpc>
+                <a:spcPct val="90000"/>
+              </a:lnSpc>
+              <a:spcBef>
+                <a:spcPts val="500"/>
+              </a:spcBef>
+              <a:spcAft>
+                <a:spcPts val="0"/>
+              </a:spcAft>
+              <a:buClrTx/>
+              <a:buSzTx/>
+              <a:buFont typeface="Arial" panose="020B0604020202020204" pitchFamily="34" charset="0"/>
+              <a:buChar char="•"/>
+              <a:tabLst/>
+              <a:defRPr sz="1600"/>
             </a:lvl3pPr>
-            <a:lvl4pPr lvl="3">
-              <a:spcBef>
-                <a:spcPts val="0"/>
-              </a:spcBef>
-              <a:buSzPct val="100000"/>
-              <a:defRPr sz="1200"/>
+            <a:lvl4pPr marL="1600200" marR="0" lvl="3" indent="-228600" algn="l" defTabSz="914400" rtl="0" eaLnBrk="1" fontAlgn="auto" latinLnBrk="0" hangingPunct="1">
+              <a:lnSpc>
+                <a:spcPct val="90000"/>
+              </a:lnSpc>
+              <a:spcBef>
+                <a:spcPts val="500"/>
+              </a:spcBef>
+              <a:spcAft>
+                <a:spcPts val="0"/>
+              </a:spcAft>
+              <a:buClrTx/>
+              <a:buSzTx/>
+              <a:buFont typeface="Arial" panose="020B0604020202020204" pitchFamily="34" charset="0"/>
+              <a:buChar char="•"/>
+              <a:tabLst/>
+              <a:defRPr sz="1600"/>
             </a:lvl4pPr>
-            <a:lvl5pPr lvl="4">
-              <a:spcBef>
-                <a:spcPts val="0"/>
-              </a:spcBef>
-              <a:buSzPct val="100000"/>
-              <a:defRPr sz="1200"/>
+            <a:lvl5pPr marL="2057400" marR="0" lvl="4" indent="-228600" algn="l" defTabSz="914400" rtl="0" eaLnBrk="1" fontAlgn="auto" latinLnBrk="0" hangingPunct="1">
+              <a:lnSpc>
+                <a:spcPct val="90000"/>
+              </a:lnSpc>
+              <a:spcBef>
+                <a:spcPts val="500"/>
+              </a:spcBef>
+              <a:spcAft>
+                <a:spcPts val="0"/>
+              </a:spcAft>
+              <a:buClrTx/>
+              <a:buSzTx/>
+              <a:buFont typeface="Arial" panose="020B0604020202020204" pitchFamily="34" charset="0"/>
+              <a:buChar char="•"/>
+              <a:tabLst/>
+              <a:defRPr sz="1600"/>
             </a:lvl5pPr>
             <a:lvl6pPr lvl="5">
               <a:spcBef>
                 <a:spcPts val="0"/>
               </a:spcBef>
               <a:buSzPct val="100000"/>
-              <a:defRPr sz="1200"/>
+              <a:defRPr sz="1600"/>
             </a:lvl6pPr>
             <a:lvl7pPr lvl="6">
               <a:spcBef>
                 <a:spcPts val="0"/>
               </a:spcBef>
               <a:buSzPct val="100000"/>
-              <a:defRPr sz="1200"/>
+              <a:defRPr sz="1600"/>
             </a:lvl7pPr>
             <a:lvl8pPr lvl="7">
               <a:spcBef>
                 <a:spcPts val="0"/>
               </a:spcBef>
               <a:buSzPct val="100000"/>
-              <a:defRPr sz="1200"/>
+              <a:defRPr sz="1600"/>
             </a:lvl8pPr>
             <a:lvl9pPr lvl="8">
               <a:spcBef>
                 <a:spcPts val="0"/>
               </a:spcBef>
               <a:buSzPct val="100000"/>
-              <a:defRPr sz="1200"/>
+              <a:defRPr sz="1600"/>
             </a:lvl9pPr>
           </a:lstStyle>
           <a:p>
-            <a:pPr lvl="0"/>
-            <a:r>
-              <a:rPr lang="en-US" smtClean="0"/>
+            <a:pPr marL="0" marR="0" lvl="0" indent="0" algn="l" defTabSz="914400" rtl="0" eaLnBrk="1" fontAlgn="auto" latinLnBrk="0" hangingPunct="1">
+              <a:lnSpc>
+                <a:spcPct val="90000"/>
+              </a:lnSpc>
+              <a:spcBef>
+                <a:spcPts val="1000"/>
+              </a:spcBef>
+              <a:spcAft>
+                <a:spcPts val="0"/>
+              </a:spcAft>
+              <a:buClrTx/>
+              <a:buSzTx/>
+              <a:buFont typeface="Arial" panose="020B0604020202020204" pitchFamily="34" charset="0"/>
+              <a:buNone/>
+              <a:tabLst/>
+              <a:defRPr/>
+            </a:pPr>
+            <a:r>
+              <a:rPr kumimoji="0" lang="en-US" sz="2400" b="0" i="0" u="none" strike="noStrike" kern="1200" cap="none" spc="0" normalizeH="0" baseline="0" noProof="0" smtClean="0">
+                <a:ln>
+                  <a:noFill/>
+                </a:ln>
+                <a:solidFill>
+                  <a:prstClr val="black"/>
+                </a:solidFill>
+                <a:effectLst/>
+                <a:uLnTx/>
+                <a:uFillTx/>
+                <a:latin typeface="Arial" panose="020B0604020202020204" pitchFamily="34" charset="0"/>
+                <a:cs typeface="Arial" panose="020B0604020202020204" pitchFamily="34" charset="0"/>
+                <a:sym typeface="Roboto"/>
+              </a:rPr>
               <a:t>Edit Master text styles</a:t>
             </a:r>
+          </a:p>
+          <a:p>
+            <a:pPr marL="0" marR="0" lvl="1" indent="0" algn="l" defTabSz="914400" rtl="0" eaLnBrk="1" fontAlgn="auto" latinLnBrk="0" hangingPunct="1">
+              <a:lnSpc>
+                <a:spcPct val="90000"/>
+              </a:lnSpc>
+              <a:spcBef>
+                <a:spcPts val="1000"/>
+              </a:spcBef>
+              <a:spcAft>
+                <a:spcPts val="0"/>
+              </a:spcAft>
+              <a:buClrTx/>
+              <a:buSzTx/>
+              <a:buFont typeface="Arial" panose="020B0604020202020204" pitchFamily="34" charset="0"/>
+              <a:buNone/>
+              <a:tabLst/>
+              <a:defRPr/>
+            </a:pPr>
+            <a:r>
+              <a:rPr kumimoji="0" lang="en-US" sz="2400" b="0" i="0" u="none" strike="noStrike" kern="1200" cap="none" spc="0" normalizeH="0" baseline="0" noProof="0" smtClean="0">
+                <a:ln>
+                  <a:noFill/>
+                </a:ln>
+                <a:solidFill>
+                  <a:prstClr val="black"/>
+                </a:solidFill>
+                <a:effectLst/>
+                <a:uLnTx/>
+                <a:uFillTx/>
+                <a:latin typeface="Arial" panose="020B0604020202020204" pitchFamily="34" charset="0"/>
+                <a:cs typeface="Arial" panose="020B0604020202020204" pitchFamily="34" charset="0"/>
+                <a:sym typeface="Roboto"/>
+              </a:rPr>
+              <a:t>Second level</a:t>
+            </a:r>
+          </a:p>
+          <a:p>
+            <a:pPr marL="0" marR="0" lvl="2" indent="0" algn="l" defTabSz="914400" rtl="0" eaLnBrk="1" fontAlgn="auto" latinLnBrk="0" hangingPunct="1">
+              <a:lnSpc>
+                <a:spcPct val="90000"/>
+              </a:lnSpc>
+              <a:spcBef>
+                <a:spcPts val="1000"/>
+              </a:spcBef>
+              <a:spcAft>
+                <a:spcPts val="0"/>
+              </a:spcAft>
+              <a:buClrTx/>
+              <a:buSzTx/>
+              <a:buFont typeface="Arial" panose="020B0604020202020204" pitchFamily="34" charset="0"/>
+              <a:buNone/>
+              <a:tabLst/>
+              <a:defRPr/>
+            </a:pPr>
+            <a:r>
+              <a:rPr kumimoji="0" lang="en-US" sz="2400" b="0" i="0" u="none" strike="noStrike" kern="1200" cap="none" spc="0" normalizeH="0" baseline="0" noProof="0" smtClean="0">
+                <a:ln>
+                  <a:noFill/>
+                </a:ln>
+                <a:solidFill>
+                  <a:prstClr val="black"/>
+                </a:solidFill>
+                <a:effectLst/>
+                <a:uLnTx/>
+                <a:uFillTx/>
+                <a:latin typeface="Arial" panose="020B0604020202020204" pitchFamily="34" charset="0"/>
+                <a:cs typeface="Arial" panose="020B0604020202020204" pitchFamily="34" charset="0"/>
+                <a:sym typeface="Roboto"/>
+              </a:rPr>
+              <a:t>Third level</a:t>
+            </a:r>
+          </a:p>
+          <a:p>
+            <a:pPr marL="0" marR="0" lvl="3" indent="0" algn="l" defTabSz="914400" rtl="0" eaLnBrk="1" fontAlgn="auto" latinLnBrk="0" hangingPunct="1">
+              <a:lnSpc>
+                <a:spcPct val="90000"/>
+              </a:lnSpc>
+              <a:spcBef>
+                <a:spcPts val="1000"/>
+              </a:spcBef>
+              <a:spcAft>
+                <a:spcPts val="0"/>
+              </a:spcAft>
+              <a:buClrTx/>
+              <a:buSzTx/>
+              <a:buFont typeface="Arial" panose="020B0604020202020204" pitchFamily="34" charset="0"/>
+              <a:buNone/>
+              <a:tabLst/>
+              <a:defRPr/>
+            </a:pPr>
+            <a:r>
+              <a:rPr kumimoji="0" lang="en-US" sz="2400" b="0" i="0" u="none" strike="noStrike" kern="1200" cap="none" spc="0" normalizeH="0" baseline="0" noProof="0" smtClean="0">
+                <a:ln>
+                  <a:noFill/>
+                </a:ln>
+                <a:solidFill>
+                  <a:prstClr val="black"/>
+                </a:solidFill>
+                <a:effectLst/>
+                <a:uLnTx/>
+                <a:uFillTx/>
+                <a:latin typeface="Arial" panose="020B0604020202020204" pitchFamily="34" charset="0"/>
+                <a:cs typeface="Arial" panose="020B0604020202020204" pitchFamily="34" charset="0"/>
+                <a:sym typeface="Roboto"/>
+              </a:rPr>
+              <a:t>Fourth level</a:t>
+            </a:r>
+          </a:p>
+          <a:p>
+            <a:pPr marL="0" marR="0" lvl="4" indent="0" algn="l" defTabSz="914400" rtl="0" eaLnBrk="1" fontAlgn="auto" latinLnBrk="0" hangingPunct="1">
+              <a:lnSpc>
+                <a:spcPct val="90000"/>
+              </a:lnSpc>
+              <a:spcBef>
+                <a:spcPts val="1000"/>
+              </a:spcBef>
+              <a:spcAft>
+                <a:spcPts val="0"/>
+              </a:spcAft>
+              <a:buClrTx/>
+              <a:buSzTx/>
+              <a:buFont typeface="Arial" panose="020B0604020202020204" pitchFamily="34" charset="0"/>
+              <a:buNone/>
+              <a:tabLst/>
+              <a:defRPr/>
+            </a:pPr>
+            <a:r>
+              <a:rPr kumimoji="0" lang="en-US" sz="2400" b="0" i="0" u="none" strike="noStrike" kern="1200" cap="none" spc="0" normalizeH="0" baseline="0" noProof="0" smtClean="0">
+                <a:ln>
+                  <a:noFill/>
+                </a:ln>
+                <a:solidFill>
+                  <a:prstClr val="black"/>
+                </a:solidFill>
+                <a:effectLst/>
+                <a:uLnTx/>
+                <a:uFillTx/>
+                <a:latin typeface="Arial" panose="020B0604020202020204" pitchFamily="34" charset="0"/>
+                <a:cs typeface="Arial" panose="020B0604020202020204" pitchFamily="34" charset="0"/>
+                <a:sym typeface="Roboto"/>
+              </a:rPr>
+              <a:t>Fifth level</a:t>
+            </a:r>
+            <a:endParaRPr kumimoji="0" lang="en-GB" sz="1600" b="0" i="0" u="none" strike="noStrike" kern="1200" cap="none" spc="0" normalizeH="0" baseline="0" noProof="0" dirty="0" smtClean="0">
+              <a:ln>
+                <a:noFill/>
+              </a:ln>
+              <a:solidFill>
+                <a:prstClr val="black"/>
+              </a:solidFill>
+              <a:effectLst/>
+              <a:uLnTx/>
+              <a:uFillTx/>
+              <a:latin typeface="Arial" panose="020B0604020202020204" pitchFamily="34" charset="0"/>
+              <a:cs typeface="Arial" panose="020B0604020202020204" pitchFamily="34" charset="0"/>
+              <a:sym typeface="Roboto"/>
+            </a:endParaRPr>
           </a:p>
         </p:txBody>
       </p:sp>
     </p:spTree>
     <p:extLst>
       <p:ext uri="{BB962C8B-B14F-4D97-AF65-F5344CB8AC3E}">
-        <p14:creationId xmlns:p14="http://schemas.microsoft.com/office/powerpoint/2010/main" val="1653541207"/>
+        <p14:creationId xmlns:p14="http://schemas.microsoft.com/office/powerpoint/2010/main" val="810586958"/>
       </p:ext>
     </p:extLst>
   </p:cSld>
@@ -3982,7 +5095,7 @@
                 <a:schemeClr val="lt1"/>
               </a:buClr>
               <a:buSzPct val="100000"/>
-              <a:defRPr sz="4799">
+              <a:defRPr sz="6398">
                 <a:solidFill>
                   <a:schemeClr val="lt1"/>
                 </a:solidFill>
@@ -3998,7 +5111,7 @@
                 <a:schemeClr val="lt1"/>
               </a:buClr>
               <a:buSzPct val="100000"/>
-              <a:defRPr sz="4799">
+              <a:defRPr sz="6398">
                 <a:solidFill>
                   <a:schemeClr val="lt1"/>
                 </a:solidFill>
@@ -4012,7 +5125,7 @@
                 <a:schemeClr val="lt1"/>
               </a:buClr>
               <a:buSzPct val="100000"/>
-              <a:defRPr sz="4799">
+              <a:defRPr sz="6398">
                 <a:solidFill>
                   <a:schemeClr val="lt1"/>
                 </a:solidFill>
@@ -4026,7 +5139,7 @@
                 <a:schemeClr val="lt1"/>
               </a:buClr>
               <a:buSzPct val="100000"/>
-              <a:defRPr sz="4799">
+              <a:defRPr sz="6398">
                 <a:solidFill>
                   <a:schemeClr val="lt1"/>
                 </a:solidFill>
@@ -4040,7 +5153,7 @@
                 <a:schemeClr val="lt1"/>
               </a:buClr>
               <a:buSzPct val="100000"/>
-              <a:defRPr sz="4799">
+              <a:defRPr sz="6398">
                 <a:solidFill>
                   <a:schemeClr val="lt1"/>
                 </a:solidFill>
@@ -4054,7 +5167,7 @@
                 <a:schemeClr val="lt1"/>
               </a:buClr>
               <a:buSzPct val="100000"/>
-              <a:defRPr sz="4799">
+              <a:defRPr sz="6398">
                 <a:solidFill>
                   <a:schemeClr val="lt1"/>
                 </a:solidFill>
@@ -4068,7 +5181,7 @@
                 <a:schemeClr val="lt1"/>
               </a:buClr>
               <a:buSzPct val="100000"/>
-              <a:defRPr sz="4799">
+              <a:defRPr sz="6398">
                 <a:solidFill>
                   <a:schemeClr val="lt1"/>
                 </a:solidFill>
@@ -4082,7 +5195,7 @@
                 <a:schemeClr val="lt1"/>
               </a:buClr>
               <a:buSzPct val="100000"/>
-              <a:defRPr sz="4799">
+              <a:defRPr sz="6398">
                 <a:solidFill>
                   <a:schemeClr val="lt1"/>
                 </a:solidFill>
@@ -4096,7 +5209,7 @@
                 <a:schemeClr val="lt1"/>
               </a:buClr>
               <a:buSzPct val="100000"/>
-              <a:defRPr sz="4799">
+              <a:defRPr sz="6398">
                 <a:solidFill>
                   <a:schemeClr val="lt1"/>
                 </a:solidFill>
@@ -4153,8 +5266,8 @@
         </p:nvGrpSpPr>
         <p:grpSpPr>
           <a:xfrm flipV="1">
-            <a:off x="8131171" y="4177960"/>
-            <a:ext cx="4060835" cy="2707427"/>
+            <a:off x="8131171" y="4177958"/>
+            <a:ext cx="4060834" cy="2707427"/>
             <a:chOff x="6098378" y="4"/>
             <a:chExt cx="3045625" cy="2030570"/>
           </a:xfrm>
@@ -4192,7 +5305,7 @@
                 </a:spcBef>
                 <a:buNone/>
               </a:pPr>
-              <a:endParaRPr sz="1799"/>
+              <a:endParaRPr sz="2399"/>
             </a:p>
           </p:txBody>
         </p:sp>
@@ -4229,7 +5342,7 @@
                 </a:spcBef>
                 <a:buNone/>
               </a:pPr>
-              <a:endParaRPr sz="1799"/>
+              <a:endParaRPr sz="2399"/>
             </a:p>
           </p:txBody>
         </p:sp>
@@ -4266,7 +5379,7 @@
                 </a:spcBef>
                 <a:buNone/>
               </a:pPr>
-              <a:endParaRPr sz="1799"/>
+              <a:endParaRPr sz="2399"/>
             </a:p>
           </p:txBody>
         </p:sp>
@@ -4303,7 +5416,7 @@
                 </a:spcBef>
                 <a:buNone/>
               </a:pPr>
-              <a:endParaRPr sz="1799"/>
+              <a:endParaRPr sz="2399"/>
             </a:p>
           </p:txBody>
         </p:sp>
@@ -4340,7 +5453,7 @@
                 </a:spcBef>
                 <a:buNone/>
               </a:pPr>
-              <a:endParaRPr sz="1799"/>
+              <a:endParaRPr sz="2399"/>
             </a:p>
           </p:txBody>
         </p:sp>
@@ -4348,7 +5461,7 @@
     </p:spTree>
     <p:extLst>
       <p:ext uri="{BB962C8B-B14F-4D97-AF65-F5344CB8AC3E}">
-        <p14:creationId xmlns:p14="http://schemas.microsoft.com/office/powerpoint/2010/main" val="1062801316"/>
+        <p14:creationId xmlns:p14="http://schemas.microsoft.com/office/powerpoint/2010/main" val="3446279681"/>
       </p:ext>
     </p:extLst>
   </p:cSld>
@@ -4383,7 +5496,7 @@
         </p:nvSpPr>
         <p:spPr>
           <a:xfrm>
-            <a:off x="6096001" y="-233"/>
+            <a:off x="6096000" y="-233"/>
             <a:ext cx="6096001" cy="6858000"/>
           </a:xfrm>
           <a:prstGeom prst="rect">
@@ -4397,7 +5510,7 @@
           </a:ln>
         </p:spPr>
         <p:txBody>
-          <a:bodyPr lIns="91401" tIns="91401" rIns="91401" bIns="91401" anchor="ctr" anchorCtr="0">
+          <a:bodyPr lIns="121868" tIns="121868" rIns="121868" bIns="121868" anchor="ctr" anchorCtr="0">
             <a:noAutofit/>
           </a:bodyPr>
           <a:lstStyle/>
@@ -4408,7 +5521,7 @@
               </a:spcBef>
               <a:buNone/>
             </a:pPr>
-            <a:endParaRPr sz="1799"/>
+            <a:endParaRPr sz="2399"/>
           </a:p>
         </p:txBody>
       </p:sp>
@@ -4420,7 +5533,7 @@
         </p:nvCxnSpPr>
         <p:spPr>
           <a:xfrm>
-            <a:off x="6706235" y="5994000"/>
+            <a:off x="6706234" y="5994000"/>
             <a:ext cx="624400" cy="0"/>
           </a:xfrm>
           <a:prstGeom prst="straightConnector1">
@@ -4465,7 +5578,7 @@
                 <a:spcPts val="0"/>
               </a:spcBef>
               <a:buSzPct val="100000"/>
-              <a:defRPr sz="4199">
+              <a:defRPr sz="5599">
                 <a:latin typeface="Arial" panose="020B0604020202020204" pitchFamily="34" charset="0"/>
                 <a:cs typeface="Arial" panose="020B0604020202020204" pitchFamily="34" charset="0"/>
               </a:defRPr>
@@ -4475,56 +5588,56 @@
                 <a:spcPts val="0"/>
               </a:spcBef>
               <a:buSzPct val="100000"/>
-              <a:defRPr sz="4199"/>
+              <a:defRPr sz="5599"/>
             </a:lvl2pPr>
             <a:lvl3pPr lvl="2" algn="ctr">
               <a:spcBef>
                 <a:spcPts val="0"/>
               </a:spcBef>
               <a:buSzPct val="100000"/>
-              <a:defRPr sz="4199"/>
+              <a:defRPr sz="5599"/>
             </a:lvl3pPr>
             <a:lvl4pPr lvl="3" algn="ctr">
               <a:spcBef>
                 <a:spcPts val="0"/>
               </a:spcBef>
               <a:buSzPct val="100000"/>
-              <a:defRPr sz="4199"/>
+              <a:defRPr sz="5599"/>
             </a:lvl4pPr>
             <a:lvl5pPr lvl="4" algn="ctr">
               <a:spcBef>
                 <a:spcPts val="0"/>
               </a:spcBef>
               <a:buSzPct val="100000"/>
-              <a:defRPr sz="4199"/>
+              <a:defRPr sz="5599"/>
             </a:lvl5pPr>
             <a:lvl6pPr lvl="5" algn="ctr">
               <a:spcBef>
                 <a:spcPts val="0"/>
               </a:spcBef>
               <a:buSzPct val="100000"/>
-              <a:defRPr sz="4199"/>
+              <a:defRPr sz="5599"/>
             </a:lvl6pPr>
             <a:lvl7pPr lvl="6" algn="ctr">
               <a:spcBef>
                 <a:spcPts val="0"/>
               </a:spcBef>
               <a:buSzPct val="100000"/>
-              <a:defRPr sz="4199"/>
+              <a:defRPr sz="5599"/>
             </a:lvl7pPr>
             <a:lvl8pPr lvl="7" algn="ctr">
               <a:spcBef>
                 <a:spcPts val="0"/>
               </a:spcBef>
               <a:buSzPct val="100000"/>
-              <a:defRPr sz="4199"/>
+              <a:defRPr sz="5599"/>
             </a:lvl8pPr>
             <a:lvl9pPr lvl="8" algn="ctr">
               <a:spcBef>
                 <a:spcPts val="0"/>
               </a:spcBef>
               <a:buSzPct val="100000"/>
-              <a:defRPr sz="4199"/>
+              <a:defRPr sz="5599"/>
             </a:lvl9pPr>
           </a:lstStyle>
           <a:p>
@@ -4570,7 +5683,7 @@
               </a:spcAft>
               <a:buSzPct val="100000"/>
               <a:buNone/>
-              <a:defRPr sz="2099">
+              <a:defRPr sz="2799">
                 <a:latin typeface="Arial" panose="020B0604020202020204" pitchFamily="34" charset="0"/>
                 <a:cs typeface="Arial" panose="020B0604020202020204" pitchFamily="34" charset="0"/>
               </a:defRPr>
@@ -4587,7 +5700,7 @@
               </a:spcAft>
               <a:buSzPct val="100000"/>
               <a:buNone/>
-              <a:defRPr sz="2099"/>
+              <a:defRPr sz="2799"/>
             </a:lvl2pPr>
             <a:lvl3pPr lvl="2" algn="ctr">
               <a:lnSpc>
@@ -4601,7 +5714,7 @@
               </a:spcAft>
               <a:buSzPct val="100000"/>
               <a:buNone/>
-              <a:defRPr sz="2099"/>
+              <a:defRPr sz="2799"/>
             </a:lvl3pPr>
             <a:lvl4pPr lvl="3" algn="ctr">
               <a:lnSpc>
@@ -4615,7 +5728,7 @@
               </a:spcAft>
               <a:buSzPct val="100000"/>
               <a:buNone/>
-              <a:defRPr sz="2099"/>
+              <a:defRPr sz="2799"/>
             </a:lvl4pPr>
             <a:lvl5pPr lvl="4" algn="ctr">
               <a:lnSpc>
@@ -4629,7 +5742,7 @@
               </a:spcAft>
               <a:buSzPct val="100000"/>
               <a:buNone/>
-              <a:defRPr sz="2099"/>
+              <a:defRPr sz="2799"/>
             </a:lvl5pPr>
             <a:lvl6pPr lvl="5" algn="ctr">
               <a:lnSpc>
@@ -4643,7 +5756,7 @@
               </a:spcAft>
               <a:buSzPct val="100000"/>
               <a:buNone/>
-              <a:defRPr sz="2099"/>
+              <a:defRPr sz="2799"/>
             </a:lvl6pPr>
             <a:lvl7pPr lvl="6" algn="ctr">
               <a:lnSpc>
@@ -4657,7 +5770,7 @@
               </a:spcAft>
               <a:buSzPct val="100000"/>
               <a:buNone/>
-              <a:defRPr sz="2099"/>
+              <a:defRPr sz="2799"/>
             </a:lvl7pPr>
             <a:lvl8pPr lvl="7" algn="ctr">
               <a:lnSpc>
@@ -4671,7 +5784,7 @@
               </a:spcAft>
               <a:buSzPct val="100000"/>
               <a:buNone/>
-              <a:defRPr sz="2099"/>
+              <a:defRPr sz="2799"/>
             </a:lvl8pPr>
             <a:lvl9pPr lvl="8" algn="ctr">
               <a:lnSpc>
@@ -4685,7 +5798,7 @@
               </a:spcAft>
               <a:buSzPct val="100000"/>
               <a:buNone/>
-              <a:defRPr sz="2099"/>
+              <a:defRPr sz="2799"/>
             </a:lvl9pPr>
           </a:lstStyle>
           <a:p>
@@ -4709,7 +5822,7 @@
         </p:nvSpPr>
         <p:spPr>
           <a:xfrm>
-            <a:off x="6586001" y="965602"/>
+            <a:off x="6586000" y="965600"/>
             <a:ext cx="4300897" cy="4538431"/>
           </a:xfrm>
           <a:prstGeom prst="rect">
@@ -4726,7 +5839,7 @@
               <a:buClr>
                 <a:schemeClr val="lt1"/>
               </a:buClr>
-              <a:defRPr sz="1500">
+              <a:defRPr sz="2000">
                 <a:solidFill>
                   <a:schemeClr val="lt1"/>
                 </a:solidFill>
@@ -4856,8 +5969,8 @@
         </p:nvGrpSpPr>
         <p:grpSpPr>
           <a:xfrm flipV="1">
-            <a:off x="8179849" y="4177960"/>
-            <a:ext cx="4060835" cy="2707427"/>
+            <a:off x="8179850" y="4177958"/>
+            <a:ext cx="4060834" cy="2707427"/>
             <a:chOff x="6098378" y="4"/>
             <a:chExt cx="3045625" cy="2030570"/>
           </a:xfrm>
@@ -4895,7 +6008,7 @@
                 </a:spcBef>
                 <a:buNone/>
               </a:pPr>
-              <a:endParaRPr sz="1799"/>
+              <a:endParaRPr sz="2399"/>
             </a:p>
           </p:txBody>
         </p:sp>
@@ -4932,7 +6045,7 @@
                 </a:spcBef>
                 <a:buNone/>
               </a:pPr>
-              <a:endParaRPr sz="1799"/>
+              <a:endParaRPr sz="2399"/>
             </a:p>
           </p:txBody>
         </p:sp>
@@ -4969,7 +6082,7 @@
                 </a:spcBef>
                 <a:buNone/>
               </a:pPr>
-              <a:endParaRPr sz="1799"/>
+              <a:endParaRPr sz="2399"/>
             </a:p>
           </p:txBody>
         </p:sp>
@@ -5006,7 +6119,7 @@
                 </a:spcBef>
                 <a:buNone/>
               </a:pPr>
-              <a:endParaRPr sz="1799"/>
+              <a:endParaRPr sz="2399"/>
             </a:p>
           </p:txBody>
         </p:sp>
@@ -5043,7 +6156,7 @@
                 </a:spcBef>
                 <a:buNone/>
               </a:pPr>
-              <a:endParaRPr sz="1799"/>
+              <a:endParaRPr sz="2399"/>
             </a:p>
           </p:txBody>
         </p:sp>
@@ -5051,7 +6164,7 @@
     </p:spTree>
     <p:extLst>
       <p:ext uri="{BB962C8B-B14F-4D97-AF65-F5344CB8AC3E}">
-        <p14:creationId xmlns:p14="http://schemas.microsoft.com/office/powerpoint/2010/main" val="2882215720"/>
+        <p14:creationId xmlns:p14="http://schemas.microsoft.com/office/powerpoint/2010/main" val="2903454235"/>
       </p:ext>
     </p:extLst>
   </p:cSld>
@@ -5111,7 +6224,7 @@
                 <a:spcPts val="0"/>
               </a:spcAft>
               <a:buNone/>
-              <a:defRPr sz="1500">
+              <a:defRPr sz="2000">
                 <a:latin typeface="Arial" panose="020B0604020202020204" pitchFamily="34" charset="0"/>
                 <a:cs typeface="Arial" panose="020B0604020202020204" pitchFamily="34" charset="0"/>
               </a:defRPr>
@@ -5129,7 +6242,7 @@
     </p:spTree>
     <p:extLst>
       <p:ext uri="{BB962C8B-B14F-4D97-AF65-F5344CB8AC3E}">
-        <p14:creationId xmlns:p14="http://schemas.microsoft.com/office/powerpoint/2010/main" val="3539751481"/>
+        <p14:creationId xmlns:p14="http://schemas.microsoft.com/office/powerpoint/2010/main" val="3836021824"/>
       </p:ext>
     </p:extLst>
   </p:cSld>
@@ -5194,7 +6307,7 @@
                 <a:schemeClr val="lt1"/>
               </a:buClr>
               <a:buSzPct val="100000"/>
-              <a:defRPr sz="6599">
+              <a:defRPr sz="8798">
                 <a:solidFill>
                   <a:schemeClr val="lt1"/>
                 </a:solidFill>
@@ -5210,7 +6323,7 @@
                 <a:schemeClr val="lt1"/>
               </a:buClr>
               <a:buSzPct val="100000"/>
-              <a:defRPr sz="11997">
+              <a:defRPr sz="15996">
                 <a:solidFill>
                   <a:schemeClr val="lt1"/>
                 </a:solidFill>
@@ -5224,7 +6337,7 @@
                 <a:schemeClr val="lt1"/>
               </a:buClr>
               <a:buSzPct val="100000"/>
-              <a:defRPr sz="11997">
+              <a:defRPr sz="15996">
                 <a:solidFill>
                   <a:schemeClr val="lt1"/>
                 </a:solidFill>
@@ -5238,7 +6351,7 @@
                 <a:schemeClr val="lt1"/>
               </a:buClr>
               <a:buSzPct val="100000"/>
-              <a:defRPr sz="11997">
+              <a:defRPr sz="15996">
                 <a:solidFill>
                   <a:schemeClr val="lt1"/>
                 </a:solidFill>
@@ -5252,7 +6365,7 @@
                 <a:schemeClr val="lt1"/>
               </a:buClr>
               <a:buSzPct val="100000"/>
-              <a:defRPr sz="11997">
+              <a:defRPr sz="15996">
                 <a:solidFill>
                   <a:schemeClr val="lt1"/>
                 </a:solidFill>
@@ -5266,7 +6379,7 @@
                 <a:schemeClr val="lt1"/>
               </a:buClr>
               <a:buSzPct val="100000"/>
-              <a:defRPr sz="11997">
+              <a:defRPr sz="15996">
                 <a:solidFill>
                   <a:schemeClr val="lt1"/>
                 </a:solidFill>
@@ -5280,7 +6393,7 @@
                 <a:schemeClr val="lt1"/>
               </a:buClr>
               <a:buSzPct val="100000"/>
-              <a:defRPr sz="11997">
+              <a:defRPr sz="15996">
                 <a:solidFill>
                   <a:schemeClr val="lt1"/>
                 </a:solidFill>
@@ -5294,7 +6407,7 @@
                 <a:schemeClr val="lt1"/>
               </a:buClr>
               <a:buSzPct val="100000"/>
-              <a:defRPr sz="11997">
+              <a:defRPr sz="15996">
                 <a:solidFill>
                   <a:schemeClr val="lt1"/>
                 </a:solidFill>
@@ -5308,7 +6421,7 @@
                 <a:schemeClr val="lt1"/>
               </a:buClr>
               <a:buSzPct val="100000"/>
-              <a:defRPr sz="11997">
+              <a:defRPr sz="15996">
                 <a:solidFill>
                   <a:schemeClr val="lt1"/>
                 </a:solidFill>
@@ -5353,7 +6466,7 @@
               <a:buClr>
                 <a:schemeClr val="lt1"/>
               </a:buClr>
-              <a:defRPr sz="1500">
+              <a:defRPr sz="2000">
                 <a:solidFill>
                   <a:schemeClr val="lt1"/>
                 </a:solidFill>
@@ -5516,8 +6629,8 @@
         </p:nvGrpSpPr>
         <p:grpSpPr>
           <a:xfrm flipV="1">
-            <a:off x="8179849" y="4177960"/>
-            <a:ext cx="4060835" cy="2707427"/>
+            <a:off x="8179850" y="4177958"/>
+            <a:ext cx="4060834" cy="2707427"/>
             <a:chOff x="6098378" y="4"/>
             <a:chExt cx="3045625" cy="2030570"/>
           </a:xfrm>
@@ -5555,7 +6668,7 @@
                 </a:spcBef>
                 <a:buNone/>
               </a:pPr>
-              <a:endParaRPr sz="1799"/>
+              <a:endParaRPr sz="2399"/>
             </a:p>
           </p:txBody>
         </p:sp>
@@ -5592,7 +6705,7 @@
                 </a:spcBef>
                 <a:buNone/>
               </a:pPr>
-              <a:endParaRPr sz="1799"/>
+              <a:endParaRPr sz="2399"/>
             </a:p>
           </p:txBody>
         </p:sp>
@@ -5629,7 +6742,7 @@
                 </a:spcBef>
                 <a:buNone/>
               </a:pPr>
-              <a:endParaRPr sz="1799"/>
+              <a:endParaRPr sz="2399"/>
             </a:p>
           </p:txBody>
         </p:sp>
@@ -5666,7 +6779,7 @@
                 </a:spcBef>
                 <a:buNone/>
               </a:pPr>
-              <a:endParaRPr sz="1799"/>
+              <a:endParaRPr sz="2399"/>
             </a:p>
           </p:txBody>
         </p:sp>
@@ -5703,7 +6816,7 @@
                 </a:spcBef>
                 <a:buNone/>
               </a:pPr>
-              <a:endParaRPr sz="1799"/>
+              <a:endParaRPr sz="2399"/>
             </a:p>
           </p:txBody>
         </p:sp>
@@ -5711,7 +6824,7 @@
     </p:spTree>
     <p:extLst>
       <p:ext uri="{BB962C8B-B14F-4D97-AF65-F5344CB8AC3E}">
-        <p14:creationId xmlns:p14="http://schemas.microsoft.com/office/powerpoint/2010/main" val="279719265"/>
+        <p14:creationId xmlns:p14="http://schemas.microsoft.com/office/powerpoint/2010/main" val="1088224425"/>
       </p:ext>
     </p:extLst>
   </p:cSld>
@@ -6203,12 +7316,12 @@
             </a:lvl9pPr>
           </a:lstStyle>
           <a:p>
-            <a:pPr marL="0" marR="0" lvl="0" indent="0" algn="l" defTabSz="685800" rtl="0" eaLnBrk="1" fontAlgn="auto" latinLnBrk="0" hangingPunct="1">
+            <a:pPr marL="0" marR="0" lvl="0" indent="0" algn="l" defTabSz="914400" rtl="0" eaLnBrk="1" fontAlgn="auto" latinLnBrk="0" hangingPunct="1">
               <a:lnSpc>
                 <a:spcPct val="90000"/>
               </a:lnSpc>
               <a:spcBef>
-                <a:spcPts val="750"/>
+                <a:spcPts val="1000"/>
               </a:spcBef>
               <a:spcAft>
                 <a:spcPts val="0"/>
@@ -6221,7 +7334,7 @@
               <a:defRPr/>
             </a:pPr>
             <a:r>
-              <a:rPr kumimoji="0" lang="en-US" sz="1800" b="0" i="0" u="none" strike="noStrike" kern="1200" cap="none" spc="0" normalizeH="0" baseline="0" noProof="0" dirty="0" smtClean="0">
+              <a:rPr kumimoji="0" lang="en-US" sz="2400" b="0" i="0" u="none" strike="noStrike" kern="1200" cap="none" spc="0" normalizeH="0" baseline="0" noProof="0" dirty="0" smtClean="0">
                 <a:ln>
                   <a:noFill/>
                 </a:ln>
@@ -6239,12 +7352,12 @@
             </a:r>
           </a:p>
           <a:p>
-            <a:pPr marL="514350" marR="0" lvl="1" indent="-171450" algn="l" defTabSz="685800" rtl="0" eaLnBrk="1" fontAlgn="auto" latinLnBrk="0" hangingPunct="1">
+            <a:pPr marL="685800" marR="0" lvl="1" indent="-228600" algn="l" defTabSz="914400" rtl="0" eaLnBrk="1" fontAlgn="auto" latinLnBrk="0" hangingPunct="1">
               <a:lnSpc>
                 <a:spcPct val="90000"/>
               </a:lnSpc>
               <a:spcBef>
-                <a:spcPts val="375"/>
+                <a:spcPts val="500"/>
               </a:spcBef>
               <a:spcAft>
                 <a:spcPts val="0"/>
@@ -6257,7 +7370,7 @@
               <a:defRPr/>
             </a:pPr>
             <a:r>
-              <a:rPr kumimoji="0" lang="en-US" sz="1500" b="0" i="0" u="none" strike="noStrike" kern="1200" cap="none" spc="0" normalizeH="0" baseline="0" noProof="0" dirty="0" smtClean="0">
+              <a:rPr kumimoji="0" lang="en-US" sz="2000" b="0" i="0" u="none" strike="noStrike" kern="1200" cap="none" spc="0" normalizeH="0" baseline="0" noProof="0" dirty="0" smtClean="0">
                 <a:ln>
                   <a:noFill/>
                 </a:ln>
@@ -6275,12 +7388,12 @@
             </a:r>
           </a:p>
           <a:p>
-            <a:pPr marL="857250" marR="0" lvl="2" indent="-171450" algn="l" defTabSz="685800" rtl="0" eaLnBrk="1" fontAlgn="auto" latinLnBrk="0" hangingPunct="1">
+            <a:pPr marL="1143000" marR="0" lvl="2" indent="-228600" algn="l" defTabSz="914400" rtl="0" eaLnBrk="1" fontAlgn="auto" latinLnBrk="0" hangingPunct="1">
               <a:lnSpc>
                 <a:spcPct val="90000"/>
               </a:lnSpc>
               <a:spcBef>
-                <a:spcPts val="375"/>
+                <a:spcPts val="500"/>
               </a:spcBef>
               <a:spcAft>
                 <a:spcPts val="0"/>
@@ -6293,7 +7406,7 @@
               <a:defRPr/>
             </a:pPr>
             <a:r>
-              <a:rPr kumimoji="0" lang="en-US" sz="1350" b="0" i="0" u="none" strike="noStrike" kern="1200" cap="none" spc="0" normalizeH="0" baseline="0" noProof="0" dirty="0" smtClean="0">
+              <a:rPr kumimoji="0" lang="en-US" sz="1800" b="0" i="0" u="none" strike="noStrike" kern="1200" cap="none" spc="0" normalizeH="0" baseline="0" noProof="0" dirty="0" smtClean="0">
                 <a:ln>
                   <a:noFill/>
                 </a:ln>
@@ -6311,12 +7424,12 @@
             </a:r>
           </a:p>
           <a:p>
-            <a:pPr marL="1200150" marR="0" lvl="3" indent="-171450" algn="l" defTabSz="685800" rtl="0" eaLnBrk="1" fontAlgn="auto" latinLnBrk="0" hangingPunct="1">
+            <a:pPr marL="1600200" marR="0" lvl="3" indent="-228600" algn="l" defTabSz="914400" rtl="0" eaLnBrk="1" fontAlgn="auto" latinLnBrk="0" hangingPunct="1">
               <a:lnSpc>
                 <a:spcPct val="90000"/>
               </a:lnSpc>
               <a:spcBef>
-                <a:spcPts val="375"/>
+                <a:spcPts val="500"/>
               </a:spcBef>
               <a:spcAft>
                 <a:spcPts val="0"/>
@@ -6329,7 +7442,7 @@
               <a:defRPr/>
             </a:pPr>
             <a:r>
-              <a:rPr kumimoji="0" lang="en-US" sz="1200" b="0" i="0" u="none" strike="noStrike" kern="1200" cap="none" spc="0" normalizeH="0" baseline="0" noProof="0" dirty="0" smtClean="0">
+              <a:rPr kumimoji="0" lang="en-US" sz="1600" b="0" i="0" u="none" strike="noStrike" kern="1200" cap="none" spc="0" normalizeH="0" baseline="0" noProof="0" dirty="0" smtClean="0">
                 <a:ln>
                   <a:noFill/>
                 </a:ln>
@@ -6347,12 +7460,12 @@
             </a:r>
           </a:p>
           <a:p>
-            <a:pPr marL="1543050" marR="0" lvl="4" indent="-171450" algn="l" defTabSz="685800" rtl="0" eaLnBrk="1" fontAlgn="auto" latinLnBrk="0" hangingPunct="1">
+            <a:pPr marL="2057400" marR="0" lvl="4" indent="-228600" algn="l" defTabSz="914400" rtl="0" eaLnBrk="1" fontAlgn="auto" latinLnBrk="0" hangingPunct="1">
               <a:lnSpc>
                 <a:spcPct val="90000"/>
               </a:lnSpc>
               <a:spcBef>
-                <a:spcPts val="375"/>
+                <a:spcPts val="500"/>
               </a:spcBef>
               <a:spcAft>
                 <a:spcPts val="0"/>
@@ -6365,7 +7478,7 @@
               <a:defRPr/>
             </a:pPr>
             <a:r>
-              <a:rPr kumimoji="0" lang="en-US" sz="1200" b="0" i="0" u="none" strike="noStrike" kern="1200" cap="none" spc="0" normalizeH="0" baseline="0" noProof="0" dirty="0" smtClean="0">
+              <a:rPr kumimoji="0" lang="en-US" sz="1600" b="0" i="0" u="none" strike="noStrike" kern="1200" cap="none" spc="0" normalizeH="0" baseline="0" noProof="0" dirty="0" smtClean="0">
                 <a:ln>
                   <a:noFill/>
                 </a:ln>
@@ -6381,7 +7494,7 @@
               </a:rPr>
               <a:t>Fifth level</a:t>
             </a:r>
-            <a:endParaRPr kumimoji="0" lang="en-GB" sz="1200" b="0" i="0" u="none" strike="noStrike" kern="1200" cap="none" spc="0" normalizeH="0" baseline="0" noProof="0" dirty="0" smtClean="0">
+            <a:endParaRPr kumimoji="0" lang="en-GB" sz="1600" b="0" i="0" u="none" strike="noStrike" kern="1200" cap="none" spc="0" normalizeH="0" baseline="0" noProof="0" dirty="0" smtClean="0">
               <a:ln>
                 <a:noFill/>
               </a:ln>
@@ -6437,8 +7550,8 @@
         </p:nvGrpSpPr>
         <p:grpSpPr>
           <a:xfrm flipV="1">
-            <a:off x="8179849" y="4177960"/>
-            <a:ext cx="4060835" cy="2707427"/>
+            <a:off x="8179850" y="4177958"/>
+            <a:ext cx="4060834" cy="2707427"/>
             <a:chOff x="6098378" y="4"/>
             <a:chExt cx="3045625" cy="2030570"/>
           </a:xfrm>
@@ -6476,7 +7589,7 @@
                 </a:spcBef>
                 <a:buNone/>
               </a:pPr>
-              <a:endParaRPr sz="1799"/>
+              <a:endParaRPr sz="2399"/>
             </a:p>
           </p:txBody>
         </p:sp>
@@ -6513,7 +7626,7 @@
                 </a:spcBef>
                 <a:buNone/>
               </a:pPr>
-              <a:endParaRPr sz="1799"/>
+              <a:endParaRPr sz="2399"/>
             </a:p>
           </p:txBody>
         </p:sp>
@@ -6550,7 +7663,7 @@
                 </a:spcBef>
                 <a:buNone/>
               </a:pPr>
-              <a:endParaRPr sz="1799"/>
+              <a:endParaRPr sz="2399"/>
             </a:p>
           </p:txBody>
         </p:sp>
@@ -6587,7 +7700,7 @@
                 </a:spcBef>
                 <a:buNone/>
               </a:pPr>
-              <a:endParaRPr sz="1799"/>
+              <a:endParaRPr sz="2399"/>
             </a:p>
           </p:txBody>
         </p:sp>
@@ -6624,7 +7737,7 @@
                 </a:spcBef>
                 <a:buNone/>
               </a:pPr>
-              <a:endParaRPr sz="1799"/>
+              <a:endParaRPr sz="2399"/>
             </a:p>
           </p:txBody>
         </p:sp>
@@ -6632,7 +7745,7 @@
     </p:spTree>
     <p:extLst>
       <p:ext uri="{BB962C8B-B14F-4D97-AF65-F5344CB8AC3E}">
-        <p14:creationId xmlns:p14="http://schemas.microsoft.com/office/powerpoint/2010/main" val="2912429429"/>
+        <p14:creationId xmlns:p14="http://schemas.microsoft.com/office/powerpoint/2010/main" val="1810406858"/>
       </p:ext>
     </p:extLst>
   </p:cSld>
@@ -6693,7 +7806,7 @@
           <a:spcPts val="0"/>
         </a:spcAft>
         <a:buNone/>
-        <a:defRPr sz="1400" b="0" i="0" u="none" strike="noStrike" cap="none">
+        <a:defRPr sz="1866" b="0" i="0" u="none" strike="noStrike" cap="none">
           <a:solidFill>
             <a:srgbClr val="000000"/>
           </a:solidFill>
@@ -6716,12 +7829,12 @@
           <a:spcPts val="0"/>
         </a:spcAft>
       </a:defPPr>
-      <a:lvl1pPr marL="0" marR="0" lvl="0" indent="0" algn="l" defTabSz="685800" rtl="0" eaLnBrk="1" fontAlgn="auto" latinLnBrk="0" hangingPunct="1">
+      <a:lvl1pPr marL="0" marR="0" lvl="0" indent="0" algn="l" defTabSz="914400" rtl="0" eaLnBrk="1" fontAlgn="auto" latinLnBrk="0" hangingPunct="1">
         <a:lnSpc>
           <a:spcPct val="90000"/>
         </a:lnSpc>
         <a:spcBef>
-          <a:spcPts val="750"/>
+          <a:spcPts val="1000"/>
         </a:spcBef>
         <a:spcAft>
           <a:spcPts val="0"/>
@@ -6731,7 +7844,7 @@
         <a:buFont typeface="Arial" panose="020B0604020202020204" pitchFamily="34" charset="0"/>
         <a:buNone/>
         <a:tabLst/>
-        <a:defRPr sz="1500" b="0" i="0" u="none" strike="noStrike" cap="none">
+        <a:defRPr sz="2000" b="0" i="0" u="none" strike="noStrike" cap="none">
           <a:solidFill>
             <a:srgbClr val="000000"/>
           </a:solidFill>
@@ -6741,12 +7854,12 @@
           <a:sym typeface="Arial"/>
         </a:defRPr>
       </a:lvl1pPr>
-      <a:lvl2pPr marL="514350" marR="0" lvl="1" indent="-171450" algn="l" defTabSz="685800" rtl="0" eaLnBrk="1" fontAlgn="auto" latinLnBrk="0" hangingPunct="1">
+      <a:lvl2pPr marL="685800" marR="0" lvl="1" indent="-228600" algn="l" defTabSz="914400" rtl="0" eaLnBrk="1" fontAlgn="auto" latinLnBrk="0" hangingPunct="1">
         <a:lnSpc>
           <a:spcPct val="90000"/>
         </a:lnSpc>
         <a:spcBef>
-          <a:spcPts val="375"/>
+          <a:spcPts val="500"/>
         </a:spcBef>
         <a:spcAft>
           <a:spcPts val="0"/>
@@ -6756,7 +7869,7 @@
         <a:buFont typeface="Arial" panose="020B0604020202020204" pitchFamily="34" charset="0"/>
         <a:buChar char="•"/>
         <a:tabLst/>
-        <a:defRPr sz="1400" b="0" i="0" u="none" strike="noStrike" cap="none">
+        <a:defRPr sz="1866" b="0" i="0" u="none" strike="noStrike" cap="none">
           <a:solidFill>
             <a:srgbClr val="000000"/>
           </a:solidFill>
@@ -6766,12 +7879,12 @@
           <a:sym typeface="Arial"/>
         </a:defRPr>
       </a:lvl2pPr>
-      <a:lvl3pPr marL="857250" marR="0" lvl="2" indent="-171450" algn="l" defTabSz="685800" rtl="0" eaLnBrk="1" fontAlgn="auto" latinLnBrk="0" hangingPunct="1">
+      <a:lvl3pPr marL="1143000" marR="0" lvl="2" indent="-228600" algn="l" defTabSz="914400" rtl="0" eaLnBrk="1" fontAlgn="auto" latinLnBrk="0" hangingPunct="1">
         <a:lnSpc>
           <a:spcPct val="90000"/>
         </a:lnSpc>
         <a:spcBef>
-          <a:spcPts val="375"/>
+          <a:spcPts val="500"/>
         </a:spcBef>
         <a:spcAft>
           <a:spcPts val="0"/>
@@ -6781,7 +7894,7 @@
         <a:buFont typeface="Arial" panose="020B0604020202020204" pitchFamily="34" charset="0"/>
         <a:buChar char="•"/>
         <a:tabLst/>
-        <a:defRPr sz="1400" b="0" i="0" u="none" strike="noStrike" cap="none">
+        <a:defRPr sz="1866" b="0" i="0" u="none" strike="noStrike" cap="none">
           <a:solidFill>
             <a:srgbClr val="000000"/>
           </a:solidFill>
@@ -6791,12 +7904,12 @@
           <a:sym typeface="Arial"/>
         </a:defRPr>
       </a:lvl3pPr>
-      <a:lvl4pPr marL="1200150" marR="0" lvl="3" indent="-171450" algn="l" defTabSz="685800" rtl="0" eaLnBrk="1" fontAlgn="auto" latinLnBrk="0" hangingPunct="1">
+      <a:lvl4pPr marL="1600200" marR="0" lvl="3" indent="-228600" algn="l" defTabSz="914400" rtl="0" eaLnBrk="1" fontAlgn="auto" latinLnBrk="0" hangingPunct="1">
         <a:lnSpc>
           <a:spcPct val="90000"/>
         </a:lnSpc>
         <a:spcBef>
-          <a:spcPts val="375"/>
+          <a:spcPts val="500"/>
         </a:spcBef>
         <a:spcAft>
           <a:spcPts val="0"/>
@@ -6806,7 +7919,7 @@
         <a:buFont typeface="Arial" panose="020B0604020202020204" pitchFamily="34" charset="0"/>
         <a:buChar char="•"/>
         <a:tabLst/>
-        <a:defRPr sz="1400" b="0" i="0" u="none" strike="noStrike" cap="none">
+        <a:defRPr sz="1866" b="0" i="0" u="none" strike="noStrike" cap="none">
           <a:solidFill>
             <a:srgbClr val="000000"/>
           </a:solidFill>
@@ -6816,12 +7929,12 @@
           <a:sym typeface="Arial"/>
         </a:defRPr>
       </a:lvl4pPr>
-      <a:lvl5pPr marL="1543050" marR="0" lvl="4" indent="-171450" algn="l" defTabSz="685800" rtl="0" eaLnBrk="1" fontAlgn="auto" latinLnBrk="0" hangingPunct="1">
+      <a:lvl5pPr marL="2057400" marR="0" lvl="4" indent="-228600" algn="l" defTabSz="914400" rtl="0" eaLnBrk="1" fontAlgn="auto" latinLnBrk="0" hangingPunct="1">
         <a:lnSpc>
           <a:spcPct val="90000"/>
         </a:lnSpc>
         <a:spcBef>
-          <a:spcPts val="375"/>
+          <a:spcPts val="500"/>
         </a:spcBef>
         <a:spcAft>
           <a:spcPts val="0"/>
@@ -6831,7 +7944,7 @@
         <a:buFont typeface="Arial" panose="020B0604020202020204" pitchFamily="34" charset="0"/>
         <a:buChar char="•"/>
         <a:tabLst/>
-        <a:defRPr sz="1400" b="0" i="0" u="none" strike="noStrike" cap="none">
+        <a:defRPr sz="1866" b="0" i="0" u="none" strike="noStrike" cap="none">
           <a:solidFill>
             <a:srgbClr val="000000"/>
           </a:solidFill>
@@ -6852,7 +7965,7 @@
           <a:spcPts val="0"/>
         </a:spcAft>
         <a:buNone/>
-        <a:defRPr sz="1400" b="0" i="0" u="none" strike="noStrike" cap="none">
+        <a:defRPr sz="1866" b="0" i="0" u="none" strike="noStrike" cap="none">
           <a:solidFill>
             <a:srgbClr val="000000"/>
           </a:solidFill>
@@ -6873,7 +7986,7 @@
           <a:spcPts val="0"/>
         </a:spcAft>
         <a:buNone/>
-        <a:defRPr sz="1400" b="0" i="0" u="none" strike="noStrike" cap="none">
+        <a:defRPr sz="1866" b="0" i="0" u="none" strike="noStrike" cap="none">
           <a:solidFill>
             <a:srgbClr val="000000"/>
           </a:solidFill>
@@ -6894,7 +8007,7 @@
           <a:spcPts val="0"/>
         </a:spcAft>
         <a:buNone/>
-        <a:defRPr sz="1400" b="0" i="0" u="none" strike="noStrike" cap="none">
+        <a:defRPr sz="1866" b="0" i="0" u="none" strike="noStrike" cap="none">
           <a:solidFill>
             <a:srgbClr val="000000"/>
           </a:solidFill>
@@ -6915,7 +8028,7 @@
           <a:spcPts val="0"/>
         </a:spcAft>
         <a:buNone/>
-        <a:defRPr sz="1400" b="0" i="0" u="none" strike="noStrike" cap="none">
+        <a:defRPr sz="1866" b="0" i="0" u="none" strike="noStrike" cap="none">
           <a:solidFill>
             <a:srgbClr val="000000"/>
           </a:solidFill>
@@ -6949,7 +8062,7 @@
           <a:spcPts val="0"/>
         </a:spcAft>
         <a:buNone/>
-        <a:defRPr sz="1400" b="0" i="0" u="none" strike="noStrike" cap="none">
+        <a:defRPr sz="1866" b="0" i="0" u="none" strike="noStrike" cap="none">
           <a:solidFill>
             <a:srgbClr val="000000"/>
           </a:solidFill>
@@ -6970,7 +8083,7 @@
           <a:spcPts val="0"/>
         </a:spcAft>
         <a:buNone/>
-        <a:defRPr sz="1400" b="0" i="0" u="none" strike="noStrike" cap="none">
+        <a:defRPr sz="1866" b="0" i="0" u="none" strike="noStrike" cap="none">
           <a:solidFill>
             <a:srgbClr val="000000"/>
           </a:solidFill>
@@ -6991,7 +8104,7 @@
           <a:spcPts val="0"/>
         </a:spcAft>
         <a:buNone/>
-        <a:defRPr sz="1400" b="0" i="0" u="none" strike="noStrike" cap="none">
+        <a:defRPr sz="1866" b="0" i="0" u="none" strike="noStrike" cap="none">
           <a:solidFill>
             <a:srgbClr val="000000"/>
           </a:solidFill>
@@ -7012,7 +8125,7 @@
           <a:spcPts val="0"/>
         </a:spcAft>
         <a:buNone/>
-        <a:defRPr sz="1400" b="0" i="0" u="none" strike="noStrike" cap="none">
+        <a:defRPr sz="1866" b="0" i="0" u="none" strike="noStrike" cap="none">
           <a:solidFill>
             <a:srgbClr val="000000"/>
           </a:solidFill>
@@ -7033,7 +8146,7 @@
           <a:spcPts val="0"/>
         </a:spcAft>
         <a:buNone/>
-        <a:defRPr sz="1400" b="0" i="0" u="none" strike="noStrike" cap="none">
+        <a:defRPr sz="1866" b="0" i="0" u="none" strike="noStrike" cap="none">
           <a:solidFill>
             <a:srgbClr val="000000"/>
           </a:solidFill>
@@ -7054,7 +8167,7 @@
           <a:spcPts val="0"/>
         </a:spcAft>
         <a:buNone/>
-        <a:defRPr sz="1400" b="0" i="0" u="none" strike="noStrike" cap="none">
+        <a:defRPr sz="1866" b="0" i="0" u="none" strike="noStrike" cap="none">
           <a:solidFill>
             <a:srgbClr val="000000"/>
           </a:solidFill>
@@ -7075,7 +8188,7 @@
           <a:spcPts val="0"/>
         </a:spcAft>
         <a:buNone/>
-        <a:defRPr sz="1400" b="0" i="0" u="none" strike="noStrike" cap="none">
+        <a:defRPr sz="1866" b="0" i="0" u="none" strike="noStrike" cap="none">
           <a:solidFill>
             <a:srgbClr val="000000"/>
           </a:solidFill>
@@ -7096,7 +8209,7 @@
           <a:spcPts val="0"/>
         </a:spcAft>
         <a:buNone/>
-        <a:defRPr sz="1400" b="0" i="0" u="none" strike="noStrike" cap="none">
+        <a:defRPr sz="1866" b="0" i="0" u="none" strike="noStrike" cap="none">
           <a:solidFill>
             <a:srgbClr val="000000"/>
           </a:solidFill>
@@ -7117,7 +8230,7 @@
           <a:spcPts val="0"/>
         </a:spcAft>
         <a:buNone/>
-        <a:defRPr sz="1400" b="0" i="0" u="none" strike="noStrike" cap="none">
+        <a:defRPr sz="1866" b="0" i="0" u="none" strike="noStrike" cap="none">
           <a:solidFill>
             <a:srgbClr val="000000"/>
           </a:solidFill>
@@ -7132,17 +8245,17 @@
   <p:extLst mod="1">
     <p:ext uri="{27BBF7A9-308A-43DC-89C8-2F10F3537804}">
       <p15:sldGuideLst xmlns:p15="http://schemas.microsoft.com/office/powerpoint/2012/main">
-        <p15:guide id="2" pos="5119" userDrawn="1">
+        <p15:guide id="2" pos="3839">
           <p15:clr>
             <a:srgbClr val="F26B43"/>
           </p15:clr>
         </p15:guide>
-        <p15:guide id="3" orient="horz" pos="2160" userDrawn="1">
+        <p15:guide id="3" orient="horz" pos="2160">
           <p15:clr>
             <a:srgbClr val="F26B43"/>
           </p15:clr>
         </p15:guide>
-        <p15:guide id="4" pos="6825" userDrawn="1">
+        <p15:guide id="4" pos="5119">
           <p15:clr>
             <a:srgbClr val="F26B43"/>
           </p15:clr>
@@ -7180,7 +8293,12 @@
             <p:ph type="ctrTitle"/>
           </p:nvPr>
         </p:nvSpPr>
-        <p:spPr/>
+        <p:spPr>
+          <a:xfrm>
+            <a:off x="2209800" y="2130426"/>
+            <a:ext cx="7772400" cy="1470025"/>
+          </a:xfrm>
+        </p:spPr>
         <p:txBody>
           <a:bodyPr/>
           <a:lstStyle/>
@@ -7202,7 +8320,12 @@
             <p:ph type="subTitle" idx="1"/>
           </p:nvPr>
         </p:nvSpPr>
-        <p:spPr/>
+        <p:spPr>
+          <a:xfrm>
+            <a:off x="2895600" y="3886200"/>
+            <a:ext cx="6400800" cy="1752600"/>
+          </a:xfrm>
+        </p:spPr>
         <p:txBody>
           <a:bodyPr/>
           <a:lstStyle/>
@@ -7351,7 +8474,9 @@
         </p:nvSpPr>
         <p:spPr/>
         <p:txBody>
-          <a:bodyPr/>
+          <a:bodyPr>
+            <a:normAutofit/>
+          </a:bodyPr>
           <a:lstStyle/>
           <a:p>
             <a:pPr lvl="1"/>
@@ -7459,6 +8584,9 @@
           <a:bodyPr/>
           <a:lstStyle/>
           <a:p>
+            <a:pPr marL="0" indent="0">
+              <a:buNone/>
+            </a:pPr>
             <a:r>
               <a:rPr/>
               <a:t>Mozilla is a global non-profit dedicated to putting you in control of your online experience and shaping the future of the web for the public good. Visit us at </a:t>
@@ -7743,7 +8871,7 @@
           <a:lstStyle/>
           <a:p>
             <a:r>
-              <a:rPr/>
+              <a:rPr dirty="0"/>
               <a:t>Offline: Analog Crowdsourcing</a:t>
             </a:r>
           </a:p>
@@ -7813,8 +8941,8 @@
         </p:blipFill>
         <p:spPr bwMode="auto">
           <a:xfrm>
-            <a:off x="-55424" y="277091"/>
-            <a:ext cx="9167148" cy="6705599"/>
+            <a:off x="3352800" y="1600200"/>
+            <a:ext cx="5486400" cy="4013200"/>
           </a:xfrm>
           <a:prstGeom prst="rect">
             <a:avLst/>
@@ -7914,7 +9042,9 @@
         </p:nvSpPr>
         <p:spPr/>
         <p:txBody>
-          <a:bodyPr/>
+          <a:bodyPr>
+            <a:normAutofit fontScale="85000" lnSpcReduction="20000"/>
+          </a:bodyPr>
           <a:lstStyle/>
           <a:p>
             <a:pPr lvl="1"/>
@@ -7941,7 +9071,7 @@
           <a:p>
             <a:pPr lvl="1"/>
             <a:r>
-              <a:rPr/>
+              <a:rPr dirty="0"/>
               <a:t>Users explore the collection of projects on </a:t>
             </a:r>
             <a:r>
@@ -8020,6 +9150,9 @@
             </a:r>
           </a:p>
           <a:p>
+            <a:pPr marL="0" indent="0">
+              <a:buNone/>
+            </a:pPr>
             <a:r>
               <a:rPr dirty="0"/>
               <a:t>:::</a:t>
@@ -8033,7 +9166,9 @@
             </a:r>
           </a:p>
           <a:p>
-            <a:pPr marL="1270000"/>
+            <a:pPr marL="1270000" indent="0">
+              <a:buNone/>
+            </a:pPr>
             <a:r>
               <a:rPr sz="2000" dirty="0"/>
               <a:t>Tip! Facilitator should do this and if possible have their screen projected so all learners can see.</a:t>
@@ -8489,7 +9624,7 @@
   <a:extraClrSchemeLst/>
   <a:extLst>
     <a:ext uri="{05A4C25C-085E-4340-85A3-A5531E510DB2}">
-      <thm15:themeFamily xmlns:thm15="http://schemas.microsoft.com/office/thememl/2012/main" name="UTC OLP Theme" id="{C0C126D0-4F54-4769-9F75-5B4DCF4C873F}" vid="{48618548-1CAA-4A8F-A36E-70E567843DE1}"/>
+      <thm15:themeFamily xmlns:thm15="http://schemas.microsoft.com/office/thememl/2012/main" name="UTC OLP Theme" id="{2E691D27-CD38-454E-AE9A-4400F5F3A1AC}" vid="{F3F5863D-53D2-4A14-96FD-2C3F501B15D6}"/>
     </a:ext>
   </a:extLst>
 </a:theme>
